--- a/455DE-Ch03_SparkSQL.pptx
+++ b/455DE-Ch03_SparkSQL.pptx
@@ -5,10 +5,10 @@
     <p:sldMasterId id="2147483684" r:id="rId5"/>
   </p:sldMasterIdLst>
   <p:notesMasterIdLst>
-    <p:notesMasterId r:id="rId28"/>
+    <p:notesMasterId r:id="rId27"/>
   </p:notesMasterIdLst>
   <p:handoutMasterIdLst>
-    <p:handoutMasterId r:id="rId29"/>
+    <p:handoutMasterId r:id="rId28"/>
   </p:handoutMasterIdLst>
   <p:sldIdLst>
     <p:sldId id="257" r:id="rId6"/>
@@ -20,19 +20,18 @@
     <p:sldId id="383" r:id="rId12"/>
     <p:sldId id="384" r:id="rId13"/>
     <p:sldId id="396" r:id="rId14"/>
-    <p:sldId id="385" r:id="rId15"/>
-    <p:sldId id="386" r:id="rId16"/>
-    <p:sldId id="390" r:id="rId17"/>
-    <p:sldId id="391" r:id="rId18"/>
-    <p:sldId id="387" r:id="rId19"/>
-    <p:sldId id="392" r:id="rId20"/>
-    <p:sldId id="388" r:id="rId21"/>
-    <p:sldId id="389" r:id="rId22"/>
-    <p:sldId id="393" r:id="rId23"/>
-    <p:sldId id="394" r:id="rId24"/>
-    <p:sldId id="398" r:id="rId25"/>
-    <p:sldId id="399" r:id="rId26"/>
-    <p:sldId id="397" r:id="rId27"/>
+    <p:sldId id="386" r:id="rId15"/>
+    <p:sldId id="390" r:id="rId16"/>
+    <p:sldId id="391" r:id="rId17"/>
+    <p:sldId id="387" r:id="rId18"/>
+    <p:sldId id="392" r:id="rId19"/>
+    <p:sldId id="388" r:id="rId20"/>
+    <p:sldId id="389" r:id="rId21"/>
+    <p:sldId id="393" r:id="rId22"/>
+    <p:sldId id="394" r:id="rId23"/>
+    <p:sldId id="398" r:id="rId24"/>
+    <p:sldId id="399" r:id="rId25"/>
+    <p:sldId id="397" r:id="rId26"/>
   </p:sldIdLst>
   <p:sldSz cx="9144000" cy="6858000" type="screen4x3"/>
   <p:notesSz cx="7053263" cy="9356725"/>
@@ -1282,7 +1281,7 @@
     </p:spTree>
     <p:extLst>
       <p:ext uri="{BB962C8B-B14F-4D97-AF65-F5344CB8AC3E}">
-        <p14:creationId xmlns:p14="http://schemas.microsoft.com/office/powerpoint/2010/main" val="2710523423"/>
+        <p14:creationId xmlns:p14="http://schemas.microsoft.com/office/powerpoint/2010/main" val="3851302923"/>
       </p:ext>
     </p:extLst>
   </p:cSld>
@@ -1348,7 +1347,7 @@
     </p:spTree>
     <p:extLst>
       <p:ext uri="{BB962C8B-B14F-4D97-AF65-F5344CB8AC3E}">
-        <p14:creationId xmlns:p14="http://schemas.microsoft.com/office/powerpoint/2010/main" val="3851302923"/>
+        <p14:creationId xmlns:p14="http://schemas.microsoft.com/office/powerpoint/2010/main" val="853640975"/>
       </p:ext>
     </p:extLst>
   </p:cSld>
@@ -1414,7 +1413,7 @@
     </p:spTree>
     <p:extLst>
       <p:ext uri="{BB962C8B-B14F-4D97-AF65-F5344CB8AC3E}">
-        <p14:creationId xmlns:p14="http://schemas.microsoft.com/office/powerpoint/2010/main" val="853640975"/>
+        <p14:creationId xmlns:p14="http://schemas.microsoft.com/office/powerpoint/2010/main" val="4218588521"/>
       </p:ext>
     </p:extLst>
   </p:cSld>
@@ -1480,7 +1479,7 @@
     </p:spTree>
     <p:extLst>
       <p:ext uri="{BB962C8B-B14F-4D97-AF65-F5344CB8AC3E}">
-        <p14:creationId xmlns:p14="http://schemas.microsoft.com/office/powerpoint/2010/main" val="4218588521"/>
+        <p14:creationId xmlns:p14="http://schemas.microsoft.com/office/powerpoint/2010/main" val="794429953"/>
       </p:ext>
     </p:extLst>
   </p:cSld>
@@ -1546,7 +1545,7 @@
     </p:spTree>
     <p:extLst>
       <p:ext uri="{BB962C8B-B14F-4D97-AF65-F5344CB8AC3E}">
-        <p14:creationId xmlns:p14="http://schemas.microsoft.com/office/powerpoint/2010/main" val="794429953"/>
+        <p14:creationId xmlns:p14="http://schemas.microsoft.com/office/powerpoint/2010/main" val="1236487229"/>
       </p:ext>
     </p:extLst>
   </p:cSld>
@@ -1612,7 +1611,7 @@
     </p:spTree>
     <p:extLst>
       <p:ext uri="{BB962C8B-B14F-4D97-AF65-F5344CB8AC3E}">
-        <p14:creationId xmlns:p14="http://schemas.microsoft.com/office/powerpoint/2010/main" val="1236487229"/>
+        <p14:creationId xmlns:p14="http://schemas.microsoft.com/office/powerpoint/2010/main" val="2295050529"/>
       </p:ext>
     </p:extLst>
   </p:cSld>
@@ -1678,7 +1677,7 @@
     </p:spTree>
     <p:extLst>
       <p:ext uri="{BB962C8B-B14F-4D97-AF65-F5344CB8AC3E}">
-        <p14:creationId xmlns:p14="http://schemas.microsoft.com/office/powerpoint/2010/main" val="2295050529"/>
+        <p14:creationId xmlns:p14="http://schemas.microsoft.com/office/powerpoint/2010/main" val="3995392634"/>
       </p:ext>
     </p:extLst>
   </p:cSld>
@@ -1744,7 +1743,7 @@
     </p:spTree>
     <p:extLst>
       <p:ext uri="{BB962C8B-B14F-4D97-AF65-F5344CB8AC3E}">
-        <p14:creationId xmlns:p14="http://schemas.microsoft.com/office/powerpoint/2010/main" val="3995392634"/>
+        <p14:creationId xmlns:p14="http://schemas.microsoft.com/office/powerpoint/2010/main" val="2948521499"/>
       </p:ext>
     </p:extLst>
   </p:cSld>
@@ -1810,7 +1809,7 @@
     </p:spTree>
     <p:extLst>
       <p:ext uri="{BB962C8B-B14F-4D97-AF65-F5344CB8AC3E}">
-        <p14:creationId xmlns:p14="http://schemas.microsoft.com/office/powerpoint/2010/main" val="2948521499"/>
+        <p14:creationId xmlns:p14="http://schemas.microsoft.com/office/powerpoint/2010/main" val="1884008156"/>
       </p:ext>
     </p:extLst>
   </p:cSld>
@@ -1876,7 +1875,7 @@
     </p:spTree>
     <p:extLst>
       <p:ext uri="{BB962C8B-B14F-4D97-AF65-F5344CB8AC3E}">
-        <p14:creationId xmlns:p14="http://schemas.microsoft.com/office/powerpoint/2010/main" val="1884008156"/>
+        <p14:creationId xmlns:p14="http://schemas.microsoft.com/office/powerpoint/2010/main" val="917438897"/>
       </p:ext>
     </p:extLst>
   </p:cSld>
@@ -2008,7 +2007,7 @@
     </p:spTree>
     <p:extLst>
       <p:ext uri="{BB962C8B-B14F-4D97-AF65-F5344CB8AC3E}">
-        <p14:creationId xmlns:p14="http://schemas.microsoft.com/office/powerpoint/2010/main" val="917438897"/>
+        <p14:creationId xmlns:p14="http://schemas.microsoft.com/office/powerpoint/2010/main" val="532145024"/>
       </p:ext>
     </p:extLst>
   </p:cSld>
@@ -2019,72 +2018,6 @@
 </file>
 
 <file path=ppt/notesSlides/notesSlide21.xml><?xml version="1.0" encoding="utf-8"?>
-<p:notes xmlns:a="http://schemas.openxmlformats.org/drawingml/2006/main" xmlns:r="http://schemas.openxmlformats.org/officeDocument/2006/relationships" xmlns:p="http://schemas.openxmlformats.org/presentationml/2006/main">
-  <p:cSld>
-    <p:spTree>
-      <p:nvGrpSpPr>
-        <p:cNvPr id="1" name=""/>
-        <p:cNvGrpSpPr/>
-        <p:nvPr/>
-      </p:nvGrpSpPr>
-      <p:grpSpPr>
-        <a:xfrm>
-          <a:off x="0" y="0"/>
-          <a:ext cx="0" cy="0"/>
-          <a:chOff x="0" y="0"/>
-          <a:chExt cx="0" cy="0"/>
-        </a:xfrm>
-      </p:grpSpPr>
-      <p:sp>
-        <p:nvSpPr>
-          <p:cNvPr id="2" name="Slide Image Placeholder 1"/>
-          <p:cNvSpPr>
-            <a:spLocks noGrp="1" noRot="1" noChangeAspect="1"/>
-          </p:cNvSpPr>
-          <p:nvPr>
-            <p:ph type="sldImg"/>
-          </p:nvPr>
-        </p:nvSpPr>
-        <p:spPr>
-          <a:xfrm>
-            <a:off x="1189038" y="701675"/>
-            <a:ext cx="4676775" cy="3508375"/>
-          </a:xfrm>
-        </p:spPr>
-      </p:sp>
-      <p:sp>
-        <p:nvSpPr>
-          <p:cNvPr id="3" name="Notes Placeholder 2"/>
-          <p:cNvSpPr>
-            <a:spLocks noGrp="1"/>
-          </p:cNvSpPr>
-          <p:nvPr>
-            <p:ph type="body" idx="1"/>
-          </p:nvPr>
-        </p:nvSpPr>
-        <p:spPr/>
-        <p:txBody>
-          <a:bodyPr/>
-          <a:lstStyle/>
-          <a:p>
-            <a:endParaRPr lang="en-US" dirty="0"/>
-          </a:p>
-        </p:txBody>
-      </p:sp>
-    </p:spTree>
-    <p:extLst>
-      <p:ext uri="{BB962C8B-B14F-4D97-AF65-F5344CB8AC3E}">
-        <p14:creationId xmlns:p14="http://schemas.microsoft.com/office/powerpoint/2010/main" val="532145024"/>
-      </p:ext>
-    </p:extLst>
-  </p:cSld>
-  <p:clrMapOvr>
-    <a:masterClrMapping/>
-  </p:clrMapOvr>
-</p:notes>
-</file>
-
-<file path=ppt/notesSlides/notesSlide22.xml><?xml version="1.0" encoding="utf-8"?>
 <p:notes xmlns:a="http://schemas.openxmlformats.org/drawingml/2006/main" xmlns:r="http://schemas.openxmlformats.org/officeDocument/2006/relationships" xmlns:p="http://schemas.openxmlformats.org/presentationml/2006/main">
   <p:cSld>
     <p:spTree>
@@ -7757,30 +7690,19 @@
           <a:p>
             <a:r>
               <a:rPr lang="en-US" dirty="0"/>
-              <a:t>Creating the </a:t>
-            </a:r>
-            <a:r>
-              <a:rPr lang="en-US" dirty="0">
-                <a:latin typeface="Courier New" panose="02070309020205020404" pitchFamily="49" charset="0"/>
-                <a:cs typeface="Courier New" panose="02070309020205020404" pitchFamily="49" charset="0"/>
-              </a:rPr>
-              <a:t>regions2</a:t>
-            </a:r>
-            <a:r>
-              <a:rPr lang="en-US" dirty="0"/>
-              <a:t> DataFrame does not execute anything yet</a:t>
-            </a:r>
-          </a:p>
-          <a:p>
-            <a:r>
-              <a:rPr lang="en-US" dirty="0"/>
-              <a:t>Making DataFrame into a Temp View, then running a Spark SQL query, tells Spark to read the SQL data into an RDD in the Spark Cluster</a:t>
-            </a:r>
-          </a:p>
-          <a:p>
-            <a:r>
-              <a:rPr lang="en-US" dirty="0"/>
-              <a:t>Once in the cluster, it can be processed using Spark methods or Spark SQL</a:t>
+              <a:t>HQL is predefined to have most of the standard functions in the SQL language</a:t>
+            </a:r>
+          </a:p>
+          <a:p>
+            <a:r>
+              <a:rPr lang="en-US" dirty="0"/>
+              <a:t>Sometimes Python has a function that SQL does not </a:t>
+            </a:r>
+          </a:p>
+          <a:p>
+            <a:r>
+              <a:rPr lang="en-US" dirty="0"/>
+              <a:t>You could always use Spark methods to call a Python function, as we showed in the last chapter</a:t>
             </a:r>
           </a:p>
           <a:p>
@@ -7788,38 +7710,108 @@
               <a:buNone/>
             </a:pPr>
             <a:r>
-              <a:rPr lang="en-US" dirty="0">
-                <a:latin typeface="Courier New" panose="02070309020205020404" pitchFamily="49" charset="0"/>
-                <a:cs typeface="Courier New" panose="02070309020205020404" pitchFamily="49" charset="0"/>
-              </a:rPr>
-              <a:t>regions2.createOrReplaceTempView('regions2')</a:t>
+              <a:rPr lang="en-US" sz="1600" dirty="0">
+                <a:latin typeface="Courier New" panose="02070309020205020404" pitchFamily="49" charset="0"/>
+                <a:cs typeface="Courier New" panose="02070309020205020404" pitchFamily="49" charset="0"/>
+              </a:rPr>
+              <a:t>from pyspark.sql.functions import expr, udf</a:t>
+            </a:r>
+          </a:p>
+          <a:p>
+            <a:pPr indent="0">
+              <a:spcBef>
+                <a:spcPts val="0"/>
+              </a:spcBef>
+              <a:buNone/>
+            </a:pPr>
+            <a:r>
+              <a:rPr lang="en-US" sz="1600" dirty="0">
+                <a:latin typeface="Courier New" panose="02070309020205020404" pitchFamily="49" charset="0"/>
+                <a:cs typeface="Courier New" panose="02070309020205020404" pitchFamily="49" charset="0"/>
+              </a:rPr>
+              <a:t>from pyspark.sql.types import *</a:t>
             </a:r>
             <a:br>
-              <a:rPr lang="en-US" dirty="0">
+              <a:rPr lang="en-US" sz="1600" dirty="0">
                 <a:latin typeface="Courier New" panose="02070309020205020404" pitchFamily="49" charset="0"/>
                 <a:cs typeface="Courier New" panose="02070309020205020404" pitchFamily="49" charset="0"/>
               </a:rPr>
             </a:br>
             <a:r>
-              <a:rPr lang="en-US" dirty="0">
-                <a:latin typeface="Courier New" panose="02070309020205020404" pitchFamily="49" charset="0"/>
-                <a:cs typeface="Courier New" panose="02070309020205020404" pitchFamily="49" charset="0"/>
-              </a:rPr>
-              <a:t>spark.sql('select * from regions2 </a:t>
+              <a:rPr lang="en-US" sz="1600" dirty="0">
+                <a:latin typeface="Courier New" panose="02070309020205020404" pitchFamily="49" charset="0"/>
+                <a:cs typeface="Courier New" panose="02070309020205020404" pitchFamily="49" charset="0"/>
+              </a:rPr>
+              <a:t>t2 = spark.sql('select * from territories')</a:t>
             </a:r>
             <a:br>
-              <a:rPr lang="en-US" dirty="0">
+              <a:rPr lang="en-US" sz="1600" dirty="0">
                 <a:latin typeface="Courier New" panose="02070309020205020404" pitchFamily="49" charset="0"/>
                 <a:cs typeface="Courier New" panose="02070309020205020404" pitchFamily="49" charset="0"/>
               </a:rPr>
             </a:br>
             <a:r>
-              <a:rPr lang="en-US" dirty="0">
-                <a:latin typeface="Courier New" panose="02070309020205020404" pitchFamily="49" charset="0"/>
-                <a:cs typeface="Courier New" panose="02070309020205020404" pitchFamily="49" charset="0"/>
-              </a:rPr>
-              <a:t>           where regionid &lt; 3').show()</a:t>
-            </a:r>
+              <a:rPr lang="en-US" sz="1600" dirty="0">
+                <a:latin typeface="Courier New" panose="02070309020205020404" pitchFamily="49" charset="0"/>
+                <a:cs typeface="Courier New" panose="02070309020205020404" pitchFamily="49" charset="0"/>
+              </a:rPr>
+              <a:t>t2.printSchema()</a:t>
+            </a:r>
+            <a:br>
+              <a:rPr lang="en-US" sz="1600" dirty="0">
+                <a:latin typeface="Courier New" panose="02070309020205020404" pitchFamily="49" charset="0"/>
+                <a:cs typeface="Courier New" panose="02070309020205020404" pitchFamily="49" charset="0"/>
+              </a:rPr>
+            </a:br>
+            <a:r>
+              <a:rPr lang="en-US" sz="1600" dirty="0">
+                <a:latin typeface="Courier New" panose="02070309020205020404" pitchFamily="49" charset="0"/>
+                <a:cs typeface="Courier New" panose="02070309020205020404" pitchFamily="49" charset="0"/>
+              </a:rPr>
+              <a:t>t2 = t2.withColumn('upperName', expr('UPPER(TerritoryName)'))</a:t>
+            </a:r>
+            <a:br>
+              <a:rPr lang="en-US" sz="1600" dirty="0">
+                <a:latin typeface="Courier New" panose="02070309020205020404" pitchFamily="49" charset="0"/>
+                <a:cs typeface="Courier New" panose="02070309020205020404" pitchFamily="49" charset="0"/>
+              </a:rPr>
+            </a:br>
+            <a:r>
+              <a:rPr lang="en-US" sz="1600" dirty="0">
+                <a:latin typeface="Courier New" panose="02070309020205020404" pitchFamily="49" charset="0"/>
+                <a:cs typeface="Courier New" panose="02070309020205020404" pitchFamily="49" charset="0"/>
+              </a:rPr>
+              <a:t>t2.show(5)</a:t>
+            </a:r>
+            <a:br>
+              <a:rPr lang="en-US" sz="1600" dirty="0">
+                <a:latin typeface="Courier New" panose="02070309020205020404" pitchFamily="49" charset="0"/>
+                <a:cs typeface="Courier New" panose="02070309020205020404" pitchFamily="49" charset="0"/>
+              </a:rPr>
+            </a:br>
+            <a:r>
+              <a:rPr lang="en-US" sz="1600" dirty="0">
+                <a:latin typeface="Courier New" panose="02070309020205020404" pitchFamily="49" charset="0"/>
+                <a:cs typeface="Courier New" panose="02070309020205020404" pitchFamily="49" charset="0"/>
+              </a:rPr>
+              <a:t>t2 = t2.withColumn('titleName', udf(lambda x : x.title(), StringType())(t2.upperName))</a:t>
+            </a:r>
+            <a:br>
+              <a:rPr lang="en-US" sz="1600" dirty="0">
+                <a:latin typeface="Courier New" panose="02070309020205020404" pitchFamily="49" charset="0"/>
+                <a:cs typeface="Courier New" panose="02070309020205020404" pitchFamily="49" charset="0"/>
+              </a:rPr>
+            </a:br>
+            <a:r>
+              <a:rPr lang="en-US" sz="1600" dirty="0">
+                <a:latin typeface="Courier New" panose="02070309020205020404" pitchFamily="49" charset="0"/>
+                <a:cs typeface="Courier New" panose="02070309020205020404" pitchFamily="49" charset="0"/>
+              </a:rPr>
+              <a:t>t2.show(5)</a:t>
+            </a:r>
+          </a:p>
+          <a:p>
+            <a:endParaRPr lang="en-US" dirty="0"/>
           </a:p>
         </p:txBody>
       </p:sp>
@@ -7840,7 +7832,7 @@
           <a:p>
             <a:r>
               <a:rPr lang="en-US" dirty="0"/>
-              <a:t>Calculated Columns</a:t>
+              <a:t>Mixing Python and SQL</a:t>
             </a:r>
           </a:p>
         </p:txBody>
@@ -7848,7 +7840,7 @@
     </p:spTree>
     <p:extLst>
       <p:ext uri="{BB962C8B-B14F-4D97-AF65-F5344CB8AC3E}">
-        <p14:creationId xmlns:p14="http://schemas.microsoft.com/office/powerpoint/2010/main" val="2611173546"/>
+        <p14:creationId xmlns:p14="http://schemas.microsoft.com/office/powerpoint/2010/main" val="1639812335"/>
       </p:ext>
     </p:extLst>
   </p:cSld>
@@ -7885,6 +7877,126 @@
             <p:ph idx="1"/>
           </p:nvPr>
         </p:nvSpPr>
+        <p:spPr>
+          <a:xfrm>
+            <a:off x="581024" y="1155614"/>
+            <a:ext cx="8361807" cy="5072616"/>
+          </a:xfrm>
+        </p:spPr>
+        <p:txBody>
+          <a:bodyPr/>
+          <a:lstStyle/>
+          <a:p>
+            <a:r>
+              <a:rPr lang="en-US" dirty="0"/>
+              <a:t>To make it easier to use, you could take a Python function and turn it into a UDF</a:t>
+            </a:r>
+            <a:endParaRPr lang="en-US" dirty="0">
+              <a:latin typeface="Courier New" panose="02070309020205020404" pitchFamily="49" charset="0"/>
+              <a:cs typeface="Courier New" panose="02070309020205020404" pitchFamily="49" charset="0"/>
+            </a:endParaRPr>
+          </a:p>
+          <a:p>
+            <a:r>
+              <a:rPr lang="en-US" dirty="0"/>
+              <a:t>This is similar to how you make a DataFrame into a Temp View </a:t>
+            </a:r>
+          </a:p>
+          <a:p>
+            <a:r>
+              <a:rPr lang="en-US" dirty="0"/>
+              <a:t>Registering the Python function makes it a UDF callable within Spark SQL queries</a:t>
+            </a:r>
+          </a:p>
+          <a:p>
+            <a:pPr indent="0">
+              <a:buNone/>
+            </a:pPr>
+            <a:r>
+              <a:rPr lang="en-US" dirty="0">
+                <a:latin typeface="Courier New" panose="02070309020205020404" pitchFamily="49" charset="0"/>
+                <a:cs typeface="Courier New" panose="02070309020205020404" pitchFamily="49" charset="0"/>
+              </a:rPr>
+              <a:t>def reverseString(x):</a:t>
+            </a:r>
+            <a:br>
+              <a:rPr lang="en-US" dirty="0">
+                <a:latin typeface="Courier New" panose="02070309020205020404" pitchFamily="49" charset="0"/>
+                <a:cs typeface="Courier New" panose="02070309020205020404" pitchFamily="49" charset="0"/>
+              </a:rPr>
+            </a:br>
+            <a:r>
+              <a:rPr lang="en-US" dirty="0">
+                <a:latin typeface="Courier New" panose="02070309020205020404" pitchFamily="49" charset="0"/>
+                <a:cs typeface="Courier New" panose="02070309020205020404" pitchFamily="49" charset="0"/>
+              </a:rPr>
+              <a:t>    return x[::-1]</a:t>
+            </a:r>
+          </a:p>
+          <a:p>
+            <a:pPr indent="0">
+              <a:buNone/>
+            </a:pPr>
+            <a:r>
+              <a:rPr lang="en-US" dirty="0">
+                <a:latin typeface="Courier New" panose="02070309020205020404" pitchFamily="49" charset="0"/>
+                <a:cs typeface="Courier New" panose="02070309020205020404" pitchFamily="49" charset="0"/>
+              </a:rPr>
+              <a:t>spark.udf.register('</a:t>
+            </a:r>
+            <a:r>
+              <a:rPr lang="en-US" b="1" dirty="0">
+                <a:latin typeface="Courier New" panose="02070309020205020404" pitchFamily="49" charset="0"/>
+                <a:cs typeface="Courier New" panose="02070309020205020404" pitchFamily="49" charset="0"/>
+              </a:rPr>
+              <a:t>reverse</a:t>
+            </a:r>
+            <a:r>
+              <a:rPr lang="en-US" dirty="0">
+                <a:latin typeface="Courier New" panose="02070309020205020404" pitchFamily="49" charset="0"/>
+                <a:cs typeface="Courier New" panose="02070309020205020404" pitchFamily="49" charset="0"/>
+              </a:rPr>
+              <a:t>', reverseString, StringType())</a:t>
+            </a:r>
+          </a:p>
+          <a:p>
+            <a:pPr indent="0">
+              <a:buNone/>
+            </a:pPr>
+            <a:r>
+              <a:rPr lang="en-US" dirty="0">
+                <a:latin typeface="Courier New" panose="02070309020205020404" pitchFamily="49" charset="0"/>
+                <a:cs typeface="Courier New" panose="02070309020205020404" pitchFamily="49" charset="0"/>
+              </a:rPr>
+              <a:t>spark.sql('select *, </a:t>
+            </a:r>
+            <a:r>
+              <a:rPr lang="en-US" b="1" dirty="0">
+                <a:latin typeface="Courier New" panose="02070309020205020404" pitchFamily="49" charset="0"/>
+                <a:cs typeface="Courier New" panose="02070309020205020404" pitchFamily="49" charset="0"/>
+              </a:rPr>
+              <a:t>reverse</a:t>
+            </a:r>
+            <a:r>
+              <a:rPr lang="en-US" dirty="0">
+                <a:latin typeface="Courier New" panose="02070309020205020404" pitchFamily="49" charset="0"/>
+                <a:cs typeface="Courier New" panose="02070309020205020404" pitchFamily="49" charset="0"/>
+              </a:rPr>
+              <a:t>(TerritoryName) as Reversed from Territories').orderBy('Reversed').show()</a:t>
+            </a:r>
+          </a:p>
+        </p:txBody>
+      </p:sp>
+      <p:sp>
+        <p:nvSpPr>
+          <p:cNvPr id="3" name="Title 2"/>
+          <p:cNvSpPr>
+            <a:spLocks noGrp="1"/>
+          </p:cNvSpPr>
+          <p:nvPr>
+            <p:ph type="title"/>
+          </p:nvPr>
+        </p:nvSpPr>
         <p:spPr/>
         <p:txBody>
           <a:bodyPr/>
@@ -7892,149 +8004,7 @@
           <a:p>
             <a:r>
               <a:rPr lang="en-US" dirty="0"/>
-              <a:t>HQL is predefined to have most of the standard functions in the SQL language</a:t>
-            </a:r>
-          </a:p>
-          <a:p>
-            <a:r>
-              <a:rPr lang="en-US" dirty="0"/>
-              <a:t>Sometimes Python has a function that SQL does not </a:t>
-            </a:r>
-          </a:p>
-          <a:p>
-            <a:r>
-              <a:rPr lang="en-US" dirty="0"/>
-              <a:t>You could always use Spark methods to call a Python function, as we showed in the last chapter</a:t>
-            </a:r>
-          </a:p>
-          <a:p>
-            <a:pPr indent="0">
-              <a:buNone/>
-            </a:pPr>
-            <a:r>
-              <a:rPr lang="en-US" sz="1600" dirty="0">
-                <a:latin typeface="Courier New" panose="02070309020205020404" pitchFamily="49" charset="0"/>
-                <a:cs typeface="Courier New" panose="02070309020205020404" pitchFamily="49" charset="0"/>
-              </a:rPr>
-              <a:t>from pyspark.sql.functions import expr, udf</a:t>
-            </a:r>
-          </a:p>
-          <a:p>
-            <a:pPr indent="0">
-              <a:spcBef>
-                <a:spcPts val="0"/>
-              </a:spcBef>
-              <a:buNone/>
-            </a:pPr>
-            <a:r>
-              <a:rPr lang="en-US" sz="1600" dirty="0">
-                <a:latin typeface="Courier New" panose="02070309020205020404" pitchFamily="49" charset="0"/>
-                <a:cs typeface="Courier New" panose="02070309020205020404" pitchFamily="49" charset="0"/>
-              </a:rPr>
-              <a:t>from pyspark.sql.types import *</a:t>
-            </a:r>
-            <a:br>
-              <a:rPr lang="en-US" sz="1600" dirty="0">
-                <a:latin typeface="Courier New" panose="02070309020205020404" pitchFamily="49" charset="0"/>
-                <a:cs typeface="Courier New" panose="02070309020205020404" pitchFamily="49" charset="0"/>
-              </a:rPr>
-            </a:br>
-            <a:r>
-              <a:rPr lang="en-US" sz="1600" dirty="0">
-                <a:latin typeface="Courier New" panose="02070309020205020404" pitchFamily="49" charset="0"/>
-                <a:cs typeface="Courier New" panose="02070309020205020404" pitchFamily="49" charset="0"/>
-              </a:rPr>
-              <a:t>t2 = spark.sql('select * from territories')</a:t>
-            </a:r>
-            <a:br>
-              <a:rPr lang="en-US" sz="1600" dirty="0">
-                <a:latin typeface="Courier New" panose="02070309020205020404" pitchFamily="49" charset="0"/>
-                <a:cs typeface="Courier New" panose="02070309020205020404" pitchFamily="49" charset="0"/>
-              </a:rPr>
-            </a:br>
-            <a:r>
-              <a:rPr lang="en-US" sz="1600" dirty="0">
-                <a:latin typeface="Courier New" panose="02070309020205020404" pitchFamily="49" charset="0"/>
-                <a:cs typeface="Courier New" panose="02070309020205020404" pitchFamily="49" charset="0"/>
-              </a:rPr>
-              <a:t>t2.printSchema()</a:t>
-            </a:r>
-            <a:br>
-              <a:rPr lang="en-US" sz="1600" dirty="0">
-                <a:latin typeface="Courier New" panose="02070309020205020404" pitchFamily="49" charset="0"/>
-                <a:cs typeface="Courier New" panose="02070309020205020404" pitchFamily="49" charset="0"/>
-              </a:rPr>
-            </a:br>
-            <a:r>
-              <a:rPr lang="en-US" sz="1600" dirty="0">
-                <a:latin typeface="Courier New" panose="02070309020205020404" pitchFamily="49" charset="0"/>
-                <a:cs typeface="Courier New" panose="02070309020205020404" pitchFamily="49" charset="0"/>
-              </a:rPr>
-              <a:t>t2 = t2.withColumn('upperName', expr('UPPER(TerritoryName)'))</a:t>
-            </a:r>
-            <a:br>
-              <a:rPr lang="en-US" sz="1600" dirty="0">
-                <a:latin typeface="Courier New" panose="02070309020205020404" pitchFamily="49" charset="0"/>
-                <a:cs typeface="Courier New" panose="02070309020205020404" pitchFamily="49" charset="0"/>
-              </a:rPr>
-            </a:br>
-            <a:r>
-              <a:rPr lang="en-US" sz="1600" dirty="0">
-                <a:latin typeface="Courier New" panose="02070309020205020404" pitchFamily="49" charset="0"/>
-                <a:cs typeface="Courier New" panose="02070309020205020404" pitchFamily="49" charset="0"/>
-              </a:rPr>
-              <a:t>t2.show(5)</a:t>
-            </a:r>
-            <a:br>
-              <a:rPr lang="en-US" sz="1600" dirty="0">
-                <a:latin typeface="Courier New" panose="02070309020205020404" pitchFamily="49" charset="0"/>
-                <a:cs typeface="Courier New" panose="02070309020205020404" pitchFamily="49" charset="0"/>
-              </a:rPr>
-            </a:br>
-            <a:r>
-              <a:rPr lang="en-US" sz="1600" dirty="0">
-                <a:latin typeface="Courier New" panose="02070309020205020404" pitchFamily="49" charset="0"/>
-                <a:cs typeface="Courier New" panose="02070309020205020404" pitchFamily="49" charset="0"/>
-              </a:rPr>
-              <a:t>t2 = t2.withColumn('titleName', udf(lambda x : x.title(), StringType())(t2.upperName))</a:t>
-            </a:r>
-            <a:br>
-              <a:rPr lang="en-US" sz="1600" dirty="0">
-                <a:latin typeface="Courier New" panose="02070309020205020404" pitchFamily="49" charset="0"/>
-                <a:cs typeface="Courier New" panose="02070309020205020404" pitchFamily="49" charset="0"/>
-              </a:rPr>
-            </a:br>
-            <a:r>
-              <a:rPr lang="en-US" sz="1600" dirty="0">
-                <a:latin typeface="Courier New" panose="02070309020205020404" pitchFamily="49" charset="0"/>
-                <a:cs typeface="Courier New" panose="02070309020205020404" pitchFamily="49" charset="0"/>
-              </a:rPr>
-              <a:t>t2.show(5)</a:t>
-            </a:r>
-          </a:p>
-          <a:p>
-            <a:endParaRPr lang="en-US" dirty="0"/>
-          </a:p>
-        </p:txBody>
-      </p:sp>
-      <p:sp>
-        <p:nvSpPr>
-          <p:cNvPr id="3" name="Title 2"/>
-          <p:cNvSpPr>
-            <a:spLocks noGrp="1"/>
-          </p:cNvSpPr>
-          <p:nvPr>
-            <p:ph type="title"/>
-          </p:nvPr>
-        </p:nvSpPr>
-        <p:spPr/>
-        <p:txBody>
-          <a:bodyPr/>
-          <a:lstStyle/>
-          <a:p>
-            <a:r>
-              <a:rPr lang="en-US" dirty="0"/>
-              <a:t>Mixing Python and SQL</a:t>
+              <a:t>User Defined Functions</a:t>
             </a:r>
           </a:p>
         </p:txBody>
@@ -8042,7 +8012,7 @@
     </p:spTree>
     <p:extLst>
       <p:ext uri="{BB962C8B-B14F-4D97-AF65-F5344CB8AC3E}">
-        <p14:creationId xmlns:p14="http://schemas.microsoft.com/office/powerpoint/2010/main" val="1639812335"/>
+        <p14:creationId xmlns:p14="http://schemas.microsoft.com/office/powerpoint/2010/main" val="1745008024"/>
       </p:ext>
     </p:extLst>
   </p:cSld>
@@ -8079,126 +8049,6 @@
             <p:ph idx="1"/>
           </p:nvPr>
         </p:nvSpPr>
-        <p:spPr>
-          <a:xfrm>
-            <a:off x="581024" y="1155614"/>
-            <a:ext cx="8361807" cy="5072616"/>
-          </a:xfrm>
-        </p:spPr>
-        <p:txBody>
-          <a:bodyPr/>
-          <a:lstStyle/>
-          <a:p>
-            <a:r>
-              <a:rPr lang="en-US" dirty="0"/>
-              <a:t>To make it easier to use, you could take a Python function and turn it into a UDF</a:t>
-            </a:r>
-            <a:endParaRPr lang="en-US" dirty="0">
-              <a:latin typeface="Courier New" panose="02070309020205020404" pitchFamily="49" charset="0"/>
-              <a:cs typeface="Courier New" panose="02070309020205020404" pitchFamily="49" charset="0"/>
-            </a:endParaRPr>
-          </a:p>
-          <a:p>
-            <a:r>
-              <a:rPr lang="en-US" dirty="0"/>
-              <a:t>This is similar to how you make a DataFrame into a Temp View </a:t>
-            </a:r>
-          </a:p>
-          <a:p>
-            <a:r>
-              <a:rPr lang="en-US" dirty="0"/>
-              <a:t>Registering the Python function makes it a UDF callable within Spark SQL queries</a:t>
-            </a:r>
-          </a:p>
-          <a:p>
-            <a:pPr indent="0">
-              <a:buNone/>
-            </a:pPr>
-            <a:r>
-              <a:rPr lang="en-US" dirty="0">
-                <a:latin typeface="Courier New" panose="02070309020205020404" pitchFamily="49" charset="0"/>
-                <a:cs typeface="Courier New" panose="02070309020205020404" pitchFamily="49" charset="0"/>
-              </a:rPr>
-              <a:t>def reverseString(x):</a:t>
-            </a:r>
-            <a:br>
-              <a:rPr lang="en-US" dirty="0">
-                <a:latin typeface="Courier New" panose="02070309020205020404" pitchFamily="49" charset="0"/>
-                <a:cs typeface="Courier New" panose="02070309020205020404" pitchFamily="49" charset="0"/>
-              </a:rPr>
-            </a:br>
-            <a:r>
-              <a:rPr lang="en-US" dirty="0">
-                <a:latin typeface="Courier New" panose="02070309020205020404" pitchFamily="49" charset="0"/>
-                <a:cs typeface="Courier New" panose="02070309020205020404" pitchFamily="49" charset="0"/>
-              </a:rPr>
-              <a:t>    return x[::-1]</a:t>
-            </a:r>
-          </a:p>
-          <a:p>
-            <a:pPr indent="0">
-              <a:buNone/>
-            </a:pPr>
-            <a:r>
-              <a:rPr lang="en-US" dirty="0">
-                <a:latin typeface="Courier New" panose="02070309020205020404" pitchFamily="49" charset="0"/>
-                <a:cs typeface="Courier New" panose="02070309020205020404" pitchFamily="49" charset="0"/>
-              </a:rPr>
-              <a:t>spark.udf.register('</a:t>
-            </a:r>
-            <a:r>
-              <a:rPr lang="en-US" b="1" dirty="0">
-                <a:latin typeface="Courier New" panose="02070309020205020404" pitchFamily="49" charset="0"/>
-                <a:cs typeface="Courier New" panose="02070309020205020404" pitchFamily="49" charset="0"/>
-              </a:rPr>
-              <a:t>reverse</a:t>
-            </a:r>
-            <a:r>
-              <a:rPr lang="en-US" dirty="0">
-                <a:latin typeface="Courier New" panose="02070309020205020404" pitchFamily="49" charset="0"/>
-                <a:cs typeface="Courier New" panose="02070309020205020404" pitchFamily="49" charset="0"/>
-              </a:rPr>
-              <a:t>', reverseString, StringType())</a:t>
-            </a:r>
-          </a:p>
-          <a:p>
-            <a:pPr indent="0">
-              <a:buNone/>
-            </a:pPr>
-            <a:r>
-              <a:rPr lang="en-US" dirty="0">
-                <a:latin typeface="Courier New" panose="02070309020205020404" pitchFamily="49" charset="0"/>
-                <a:cs typeface="Courier New" panose="02070309020205020404" pitchFamily="49" charset="0"/>
-              </a:rPr>
-              <a:t>spark.sql('select *, </a:t>
-            </a:r>
-            <a:r>
-              <a:rPr lang="en-US" b="1" dirty="0">
-                <a:latin typeface="Courier New" panose="02070309020205020404" pitchFamily="49" charset="0"/>
-                <a:cs typeface="Courier New" panose="02070309020205020404" pitchFamily="49" charset="0"/>
-              </a:rPr>
-              <a:t>reverse</a:t>
-            </a:r>
-            <a:r>
-              <a:rPr lang="en-US" dirty="0">
-                <a:latin typeface="Courier New" panose="02070309020205020404" pitchFamily="49" charset="0"/>
-                <a:cs typeface="Courier New" panose="02070309020205020404" pitchFamily="49" charset="0"/>
-              </a:rPr>
-              <a:t>(TerritoryName) as Reversed from Territories').orderBy('Reversed').show()</a:t>
-            </a:r>
-          </a:p>
-        </p:txBody>
-      </p:sp>
-      <p:sp>
-        <p:nvSpPr>
-          <p:cNvPr id="3" name="Title 2"/>
-          <p:cNvSpPr>
-            <a:spLocks noGrp="1"/>
-          </p:cNvSpPr>
-          <p:nvPr>
-            <p:ph type="title"/>
-          </p:nvPr>
-        </p:nvSpPr>
         <p:spPr/>
         <p:txBody>
           <a:bodyPr/>
@@ -8206,7 +8056,153 @@
           <a:p>
             <a:r>
               <a:rPr lang="en-US" dirty="0"/>
-              <a:t>User Defined Functions</a:t>
+              <a:t>In addition to the typical primitive SQL datatypes, Spark has a few complex types that are similar to Python collection types and Hive’s complex datatypes</a:t>
+            </a:r>
+          </a:p>
+          <a:p>
+            <a:pPr lvl="1"/>
+            <a:r>
+              <a:rPr lang="en-US" dirty="0">
+                <a:latin typeface="Courier New" panose="02070309020205020404" pitchFamily="49" charset="0"/>
+                <a:cs typeface="Courier New" panose="02070309020205020404" pitchFamily="49" charset="0"/>
+              </a:rPr>
+              <a:t>ArrayType</a:t>
+            </a:r>
+            <a:r>
+              <a:rPr lang="en-US" dirty="0"/>
+              <a:t> is similar to a list</a:t>
+            </a:r>
+          </a:p>
+          <a:p>
+            <a:pPr lvl="1"/>
+            <a:r>
+              <a:rPr lang="en-US" dirty="0">
+                <a:latin typeface="Courier New" panose="02070309020205020404" pitchFamily="49" charset="0"/>
+                <a:cs typeface="Courier New" panose="02070309020205020404" pitchFamily="49" charset="0"/>
+              </a:rPr>
+              <a:t>MapType</a:t>
+            </a:r>
+            <a:r>
+              <a:rPr lang="en-US" dirty="0"/>
+              <a:t> is similar to a dictionary</a:t>
+            </a:r>
+          </a:p>
+          <a:p>
+            <a:pPr lvl="1"/>
+            <a:r>
+              <a:rPr lang="en-US" dirty="0">
+                <a:latin typeface="Courier New" panose="02070309020205020404" pitchFamily="49" charset="0"/>
+                <a:cs typeface="Courier New" panose="02070309020205020404" pitchFamily="49" charset="0"/>
+              </a:rPr>
+              <a:t>StructType</a:t>
+            </a:r>
+            <a:r>
+              <a:rPr lang="en-US" dirty="0"/>
+              <a:t> and </a:t>
+            </a:r>
+            <a:r>
+              <a:rPr lang="en-US" dirty="0">
+                <a:latin typeface="Courier New" panose="02070309020205020404" pitchFamily="49" charset="0"/>
+                <a:cs typeface="Courier New" panose="02070309020205020404" pitchFamily="49" charset="0"/>
+              </a:rPr>
+              <a:t>StructField</a:t>
+            </a:r>
+            <a:r>
+              <a:rPr lang="en-US" dirty="0"/>
+              <a:t> allow you to build a table structured object</a:t>
+            </a:r>
+          </a:p>
+          <a:p>
+            <a:r>
+              <a:rPr lang="en-US" dirty="0"/>
+              <a:t>Can be used to create more complex shaped objects than is possible in traditional SQL relational model</a:t>
+            </a:r>
+          </a:p>
+          <a:p>
+            <a:r>
+              <a:rPr lang="en-US" dirty="0"/>
+              <a:t>Using the </a:t>
+            </a:r>
+            <a:r>
+              <a:rPr lang="en-US" dirty="0">
+                <a:latin typeface="Courier New" panose="02070309020205020404" pitchFamily="49" charset="0"/>
+                <a:cs typeface="Courier New" panose="02070309020205020404" pitchFamily="49" charset="0"/>
+              </a:rPr>
+              <a:t>ArrayType</a:t>
+            </a:r>
+            <a:r>
+              <a:rPr lang="en-US" dirty="0"/>
+              <a:t>, multiple children values can be embedded into a column instead of using a related table</a:t>
+            </a:r>
+          </a:p>
+          <a:p>
+            <a:r>
+              <a:rPr lang="en-US" dirty="0"/>
+              <a:t>You could create a dynamic on the fly collection of Key Value pairs using </a:t>
+            </a:r>
+            <a:r>
+              <a:rPr lang="en-US" dirty="0">
+                <a:latin typeface="Courier New" panose="02070309020205020404" pitchFamily="49" charset="0"/>
+                <a:cs typeface="Courier New" panose="02070309020205020404" pitchFamily="49" charset="0"/>
+              </a:rPr>
+              <a:t>MapType</a:t>
+            </a:r>
+          </a:p>
+          <a:p>
+            <a:r>
+              <a:rPr lang="en-US" dirty="0"/>
+              <a:t>Using </a:t>
+            </a:r>
+            <a:r>
+              <a:rPr lang="en-US" dirty="0">
+                <a:latin typeface="Courier New" panose="02070309020205020404" pitchFamily="49" charset="0"/>
+                <a:cs typeface="Courier New" panose="02070309020205020404" pitchFamily="49" charset="0"/>
+              </a:rPr>
+              <a:t>StructType</a:t>
+            </a:r>
+            <a:r>
+              <a:rPr lang="en-US" dirty="0"/>
+              <a:t> and </a:t>
+            </a:r>
+            <a:r>
+              <a:rPr lang="en-US" dirty="0">
+                <a:latin typeface="Courier New" panose="02070309020205020404" pitchFamily="49" charset="0"/>
+                <a:cs typeface="Courier New" panose="02070309020205020404" pitchFamily="49" charset="0"/>
+              </a:rPr>
+              <a:t>StructField</a:t>
+            </a:r>
+            <a:r>
+              <a:rPr lang="en-US" dirty="0">
+                <a:latin typeface="+mn-lt"/>
+                <a:cs typeface="Courier New" panose="02070309020205020404" pitchFamily="49" charset="0"/>
+              </a:rPr>
+              <a:t>,</a:t>
+            </a:r>
+            <a:r>
+              <a:rPr lang="en-US" dirty="0"/>
+              <a:t> you could create a table structure that could embed an entire sub-table into a field </a:t>
+            </a:r>
+          </a:p>
+        </p:txBody>
+      </p:sp>
+      <p:sp>
+        <p:nvSpPr>
+          <p:cNvPr id="3" name="Title 2"/>
+          <p:cNvSpPr>
+            <a:spLocks noGrp="1"/>
+          </p:cNvSpPr>
+          <p:nvPr>
+            <p:ph type="title"/>
+          </p:nvPr>
+        </p:nvSpPr>
+        <p:spPr/>
+        <p:txBody>
+          <a:bodyPr/>
+          <a:lstStyle/>
+          <a:p>
+            <a:r>
+              <a:rPr lang="en-US" dirty="0"/>
+              <a:t>Complex Data Types</a:t>
             </a:r>
           </a:p>
         </p:txBody>
@@ -8214,7 +8210,7 @@
     </p:spTree>
     <p:extLst>
       <p:ext uri="{BB962C8B-B14F-4D97-AF65-F5344CB8AC3E}">
-        <p14:creationId xmlns:p14="http://schemas.microsoft.com/office/powerpoint/2010/main" val="1745008024"/>
+        <p14:creationId xmlns:p14="http://schemas.microsoft.com/office/powerpoint/2010/main" val="2832165533"/>
       </p:ext>
     </p:extLst>
   </p:cSld>
@@ -8258,132 +8254,73 @@
           <a:p>
             <a:r>
               <a:rPr lang="en-US" dirty="0"/>
-              <a:t>In addition to the typical primitive SQL datatypes, Spark has a few complex types that are similar to Python collection types and Hive’s complex datatypes</a:t>
-            </a:r>
-          </a:p>
-          <a:p>
-            <a:pPr lvl="1"/>
-            <a:r>
-              <a:rPr lang="en-US" dirty="0">
-                <a:latin typeface="Courier New" panose="02070309020205020404" pitchFamily="49" charset="0"/>
-                <a:cs typeface="Courier New" panose="02070309020205020404" pitchFamily="49" charset="0"/>
-              </a:rPr>
-              <a:t>ArrayType</a:t>
-            </a:r>
-            <a:r>
-              <a:rPr lang="en-US" dirty="0"/>
-              <a:t> is similar to a list</a:t>
-            </a:r>
-          </a:p>
-          <a:p>
-            <a:pPr lvl="1"/>
-            <a:r>
-              <a:rPr lang="en-US" dirty="0">
-                <a:latin typeface="Courier New" panose="02070309020205020404" pitchFamily="49" charset="0"/>
-                <a:cs typeface="Courier New" panose="02070309020205020404" pitchFamily="49" charset="0"/>
-              </a:rPr>
-              <a:t>MapType</a:t>
-            </a:r>
-            <a:r>
-              <a:rPr lang="en-US" dirty="0"/>
-              <a:t> is similar to a dictionary</a:t>
-            </a:r>
-          </a:p>
-          <a:p>
-            <a:pPr lvl="1"/>
-            <a:r>
-              <a:rPr lang="en-US" dirty="0">
-                <a:latin typeface="Courier New" panose="02070309020205020404" pitchFamily="49" charset="0"/>
-                <a:cs typeface="Courier New" panose="02070309020205020404" pitchFamily="49" charset="0"/>
-              </a:rPr>
-              <a:t>StructType</a:t>
-            </a:r>
-            <a:r>
-              <a:rPr lang="en-US" dirty="0"/>
-              <a:t> and </a:t>
-            </a:r>
-            <a:r>
-              <a:rPr lang="en-US" dirty="0">
-                <a:latin typeface="Courier New" panose="02070309020205020404" pitchFamily="49" charset="0"/>
-                <a:cs typeface="Courier New" panose="02070309020205020404" pitchFamily="49" charset="0"/>
-              </a:rPr>
-              <a:t>StructField</a:t>
-            </a:r>
-            <a:r>
-              <a:rPr lang="en-US" dirty="0"/>
-              <a:t> allow you to build a table structured object</a:t>
-            </a:r>
-          </a:p>
-          <a:p>
-            <a:r>
-              <a:rPr lang="en-US" dirty="0"/>
-              <a:t>Can be used to create more complex shaped objects than is possible in traditional SQL relational model</a:t>
-            </a:r>
-          </a:p>
-          <a:p>
-            <a:r>
-              <a:rPr lang="en-US" dirty="0"/>
-              <a:t>Using the </a:t>
-            </a:r>
-            <a:r>
-              <a:rPr lang="en-US" dirty="0">
-                <a:latin typeface="Courier New" panose="02070309020205020404" pitchFamily="49" charset="0"/>
-                <a:cs typeface="Courier New" panose="02070309020205020404" pitchFamily="49" charset="0"/>
-              </a:rPr>
-              <a:t>ArrayType</a:t>
-            </a:r>
-            <a:r>
-              <a:rPr lang="en-US" dirty="0"/>
-              <a:t>, multiple children values can be embedded into a column instead of using a related table</a:t>
-            </a:r>
-          </a:p>
-          <a:p>
-            <a:r>
-              <a:rPr lang="en-US" dirty="0"/>
-              <a:t>You could create a dynamic on the fly collection of Key Value pairs using </a:t>
-            </a:r>
-            <a:r>
-              <a:rPr lang="en-US" dirty="0">
-                <a:latin typeface="Courier New" panose="02070309020205020404" pitchFamily="49" charset="0"/>
-                <a:cs typeface="Courier New" panose="02070309020205020404" pitchFamily="49" charset="0"/>
-              </a:rPr>
-              <a:t>MapType</a:t>
-            </a:r>
-          </a:p>
-          <a:p>
-            <a:r>
-              <a:rPr lang="en-US" dirty="0"/>
-              <a:t>Using </a:t>
-            </a:r>
-            <a:r>
-              <a:rPr lang="en-US" dirty="0">
-                <a:latin typeface="Courier New" panose="02070309020205020404" pitchFamily="49" charset="0"/>
-                <a:cs typeface="Courier New" panose="02070309020205020404" pitchFamily="49" charset="0"/>
-              </a:rPr>
-              <a:t>StructType</a:t>
-            </a:r>
-            <a:r>
-              <a:rPr lang="en-US" dirty="0"/>
-              <a:t> and </a:t>
-            </a:r>
-            <a:r>
-              <a:rPr lang="en-US" dirty="0">
-                <a:latin typeface="Courier New" panose="02070309020205020404" pitchFamily="49" charset="0"/>
-                <a:cs typeface="Courier New" panose="02070309020205020404" pitchFamily="49" charset="0"/>
-              </a:rPr>
-              <a:t>StructField</a:t>
+              <a:t>Typically </a:t>
+            </a:r>
+            <a:r>
+              <a:rPr lang="en-US" dirty="0">
+                <a:latin typeface="Courier New" panose="02070309020205020404" pitchFamily="49" charset="0"/>
+                <a:cs typeface="Courier New" panose="02070309020205020404" pitchFamily="49" charset="0"/>
+              </a:rPr>
+              <a:t>Join,</a:t>
             </a:r>
             <a:r>
               <a:rPr lang="en-US" dirty="0">
                 <a:latin typeface="+mn-lt"/>
                 <a:cs typeface="Courier New" panose="02070309020205020404" pitchFamily="49" charset="0"/>
               </a:rPr>
-              <a:t>,</a:t>
-            </a:r>
-            <a:r>
-              <a:rPr lang="en-US" dirty="0"/>
-              <a:t> you could create a table structure that could embed an entire sub-table into a field </a:t>
-            </a:r>
+              <a:t> </a:t>
+            </a:r>
+            <a:r>
+              <a:rPr lang="en-US" dirty="0">
+                <a:latin typeface="Courier New" panose="02070309020205020404" pitchFamily="49" charset="0"/>
+                <a:cs typeface="Courier New" panose="02070309020205020404" pitchFamily="49" charset="0"/>
+              </a:rPr>
+              <a:t>Group</a:t>
+            </a:r>
+            <a:r>
+              <a:rPr lang="en-US" dirty="0">
+                <a:latin typeface="+mn-lt"/>
+                <a:cs typeface="Courier New" panose="02070309020205020404" pitchFamily="49" charset="0"/>
+              </a:rPr>
+              <a:t>, </a:t>
+            </a:r>
+            <a:r>
+              <a:rPr lang="en-US" dirty="0"/>
+              <a:t>and</a:t>
+            </a:r>
+            <a:r>
+              <a:rPr lang="en-US" dirty="0">
+                <a:latin typeface="+mn-lt"/>
+                <a:cs typeface="Courier New" panose="02070309020205020404" pitchFamily="49" charset="0"/>
+              </a:rPr>
+              <a:t> </a:t>
+            </a:r>
+            <a:r>
+              <a:rPr lang="en-US" dirty="0">
+                <a:latin typeface="Courier New" panose="02070309020205020404" pitchFamily="49" charset="0"/>
+                <a:cs typeface="Courier New" panose="02070309020205020404" pitchFamily="49" charset="0"/>
+              </a:rPr>
+              <a:t>Aggregate</a:t>
+            </a:r>
+            <a:r>
+              <a:rPr lang="en-US" dirty="0"/>
+              <a:t> operations tend to be more expensive because they are wide transformations that require a lot of shuffling of data around the nodes</a:t>
+            </a:r>
+          </a:p>
+          <a:p>
+            <a:r>
+              <a:rPr lang="en-US" dirty="0"/>
+              <a:t>An alternative data modeling technique would be to embed children records inside the parent so that in a sense they are pre-joined to the parent</a:t>
+            </a:r>
+          </a:p>
+          <a:p>
+            <a:r>
+              <a:rPr lang="en-US" dirty="0"/>
+              <a:t>This reduces the need to do joins and to shuffle data when doing aggregates</a:t>
+            </a:r>
+          </a:p>
+          <a:p>
+            <a:endParaRPr lang="en-US" dirty="0"/>
           </a:p>
         </p:txBody>
       </p:sp>
@@ -8404,7 +8341,7 @@
           <a:p>
             <a:r>
               <a:rPr lang="en-US" dirty="0"/>
-              <a:t>Complex Data Types</a:t>
+              <a:t>Use Case</a:t>
             </a:r>
           </a:p>
         </p:txBody>
@@ -8412,7 +8349,7 @@
     </p:spTree>
     <p:extLst>
       <p:ext uri="{BB962C8B-B14F-4D97-AF65-F5344CB8AC3E}">
-        <p14:creationId xmlns:p14="http://schemas.microsoft.com/office/powerpoint/2010/main" val="2832165533"/>
+        <p14:creationId xmlns:p14="http://schemas.microsoft.com/office/powerpoint/2010/main" val="2762489557"/>
       </p:ext>
     </p:extLst>
   </p:cSld>
@@ -8449,101 +8386,224 @@
             <p:ph idx="1"/>
           </p:nvPr>
         </p:nvSpPr>
+        <p:spPr>
+          <a:xfrm>
+            <a:off x="414338" y="1155614"/>
+            <a:ext cx="8458199" cy="5072616"/>
+          </a:xfrm>
+        </p:spPr>
+        <p:txBody>
+          <a:bodyPr/>
+          <a:lstStyle/>
+          <a:p>
+            <a:pPr>
+              <a:spcAft>
+                <a:spcPts val="1200"/>
+              </a:spcAft>
+            </a:pPr>
+            <a:r>
+              <a:rPr lang="en-US" dirty="0"/>
+              <a:t>Spark has two aggregate functions called </a:t>
+            </a:r>
+            <a:r>
+              <a:rPr lang="en-US" dirty="0">
+                <a:latin typeface="Courier New" panose="02070309020205020404" pitchFamily="49" charset="0"/>
+                <a:cs typeface="Courier New" panose="02070309020205020404" pitchFamily="49" charset="0"/>
+              </a:rPr>
+              <a:t>collect_list</a:t>
+            </a:r>
+            <a:r>
+              <a:rPr lang="en-US" dirty="0">
+                <a:latin typeface="+mj-lt"/>
+                <a:cs typeface="Courier New" panose="02070309020205020404" pitchFamily="49" charset="0"/>
+              </a:rPr>
+              <a:t> </a:t>
+            </a:r>
+            <a:r>
+              <a:rPr lang="en-US" dirty="0"/>
+              <a:t>and </a:t>
+            </a:r>
+            <a:r>
+              <a:rPr lang="en-US" dirty="0">
+                <a:latin typeface="Courier New" panose="02070309020205020404" pitchFamily="49" charset="0"/>
+                <a:cs typeface="Courier New" panose="02070309020205020404" pitchFamily="49" charset="0"/>
+              </a:rPr>
+              <a:t>collect_set</a:t>
+            </a:r>
+            <a:r>
+              <a:rPr lang="en-US" dirty="0"/>
+              <a:t> that can be used to group together elements into either a list or a unique set</a:t>
+            </a:r>
+            <a:br>
+              <a:rPr lang="en-US" dirty="0"/>
+            </a:br>
+            <a:r>
+              <a:rPr lang="en-US" sz="1200" dirty="0"/>
+              <a:t> </a:t>
+            </a:r>
+            <a:br>
+              <a:rPr lang="en-US" dirty="0"/>
+            </a:br>
+            <a:r>
+              <a:rPr lang="en-US" dirty="0">
+                <a:latin typeface="Courier New" panose="02070309020205020404" pitchFamily="49" charset="0"/>
+                <a:cs typeface="Courier New" panose="02070309020205020404" pitchFamily="49" charset="0"/>
+              </a:rPr>
+              <a:t>from pyspark.sql.functions import collect_list</a:t>
+            </a:r>
+            <a:br>
+              <a:rPr lang="en-US" dirty="0">
+                <a:latin typeface="Courier New" panose="02070309020205020404" pitchFamily="49" charset="0"/>
+                <a:cs typeface="Courier New" panose="02070309020205020404" pitchFamily="49" charset="0"/>
+              </a:rPr>
+            </a:br>
+            <a:r>
+              <a:rPr lang="en-US" dirty="0">
+                <a:latin typeface="Courier New" panose="02070309020205020404" pitchFamily="49" charset="0"/>
+                <a:cs typeface="Courier New" panose="02070309020205020404" pitchFamily="49" charset="0"/>
+              </a:rPr>
+              <a:t>territories.groupBy(territories.RegionID). \</a:t>
+            </a:r>
+            <a:br>
+              <a:rPr lang="en-US" dirty="0">
+                <a:latin typeface="Courier New" panose="02070309020205020404" pitchFamily="49" charset="0"/>
+                <a:cs typeface="Courier New" panose="02070309020205020404" pitchFamily="49" charset="0"/>
+              </a:rPr>
+            </a:br>
+            <a:r>
+              <a:rPr lang="en-US" dirty="0">
+                <a:latin typeface="Courier New" panose="02070309020205020404" pitchFamily="49" charset="0"/>
+                <a:cs typeface="Courier New" panose="02070309020205020404" pitchFamily="49" charset="0"/>
+              </a:rPr>
+              <a:t>agg(collect_list(territories.TerritoryName)).show()</a:t>
+            </a:r>
+          </a:p>
+          <a:p>
+            <a:r>
+              <a:rPr lang="en-US" dirty="0"/>
+              <a:t>HQL has a similar function and is much easier to use</a:t>
+            </a:r>
+            <a:br>
+              <a:rPr lang="en-US" dirty="0"/>
+            </a:br>
+            <a:r>
+              <a:rPr lang="en-US" sz="1200" dirty="0"/>
+              <a:t> </a:t>
+            </a:r>
+            <a:br>
+              <a:rPr lang="en-US" dirty="0"/>
+            </a:br>
+            <a:r>
+              <a:rPr lang="en-US" dirty="0">
+                <a:latin typeface="Courier New" panose="02070309020205020404" pitchFamily="49" charset="0"/>
+                <a:cs typeface="Courier New" panose="02070309020205020404" pitchFamily="49" charset="0"/>
+              </a:rPr>
+              <a:t>tr1 = spark.sql("SELECT RegionID, collect_list(TerritoryName) AS TerritoryList </a:t>
+            </a:r>
+            <a:br>
+              <a:rPr lang="en-US" dirty="0">
+                <a:latin typeface="Courier New" panose="02070309020205020404" pitchFamily="49" charset="0"/>
+                <a:cs typeface="Courier New" panose="02070309020205020404" pitchFamily="49" charset="0"/>
+              </a:rPr>
+            </a:br>
+            <a:r>
+              <a:rPr lang="en-US" dirty="0">
+                <a:latin typeface="Courier New" panose="02070309020205020404" pitchFamily="49" charset="0"/>
+                <a:cs typeface="Courier New" panose="02070309020205020404" pitchFamily="49" charset="0"/>
+              </a:rPr>
+              <a:t>FROM Territories </a:t>
+            </a:r>
+            <a:br>
+              <a:rPr lang="en-US" dirty="0">
+                <a:latin typeface="Courier New" panose="02070309020205020404" pitchFamily="49" charset="0"/>
+                <a:cs typeface="Courier New" panose="02070309020205020404" pitchFamily="49" charset="0"/>
+              </a:rPr>
+            </a:br>
+            <a:r>
+              <a:rPr lang="en-US" dirty="0">
+                <a:latin typeface="Courier New" panose="02070309020205020404" pitchFamily="49" charset="0"/>
+                <a:cs typeface="Courier New" panose="02070309020205020404" pitchFamily="49" charset="0"/>
+              </a:rPr>
+              <a:t>GROUP BY RegionID")</a:t>
+            </a:r>
+            <a:br>
+              <a:rPr lang="en-US" dirty="0">
+                <a:latin typeface="Courier New" panose="02070309020205020404" pitchFamily="49" charset="0"/>
+                <a:cs typeface="Courier New" panose="02070309020205020404" pitchFamily="49" charset="0"/>
+              </a:rPr>
+            </a:br>
+            <a:r>
+              <a:rPr lang="en-US" dirty="0">
+                <a:latin typeface="Courier New" panose="02070309020205020404" pitchFamily="49" charset="0"/>
+                <a:cs typeface="Courier New" panose="02070309020205020404" pitchFamily="49" charset="0"/>
+              </a:rPr>
+              <a:t>tr1.show()</a:t>
+            </a:r>
+            <a:br>
+              <a:rPr lang="en-US" dirty="0">
+                <a:latin typeface="Courier New" panose="02070309020205020404" pitchFamily="49" charset="0"/>
+                <a:cs typeface="Courier New" panose="02070309020205020404" pitchFamily="49" charset="0"/>
+              </a:rPr>
+            </a:br>
+            <a:r>
+              <a:rPr lang="en-US" dirty="0">
+                <a:latin typeface="Courier New" panose="02070309020205020404" pitchFamily="49" charset="0"/>
+                <a:cs typeface="Courier New" panose="02070309020205020404" pitchFamily="49" charset="0"/>
+              </a:rPr>
+              <a:t>tr1.printSchema()</a:t>
+            </a:r>
+            <a:br>
+              <a:rPr lang="en-US" dirty="0">
+                <a:latin typeface="Courier New" panose="02070309020205020404" pitchFamily="49" charset="0"/>
+                <a:cs typeface="Courier New" panose="02070309020205020404" pitchFamily="49" charset="0"/>
+              </a:rPr>
+            </a:br>
+            <a:r>
+              <a:rPr lang="en-US" dirty="0">
+                <a:latin typeface="Courier New" panose="02070309020205020404" pitchFamily="49" charset="0"/>
+                <a:cs typeface="Courier New" panose="02070309020205020404" pitchFamily="49" charset="0"/>
+              </a:rPr>
+              <a:t>print(tr1.take(1))</a:t>
+            </a:r>
+          </a:p>
+          <a:p>
+            <a:pPr marL="0" indent="0">
+              <a:buNone/>
+            </a:pPr>
+            <a:endParaRPr lang="en-US" dirty="0">
+              <a:latin typeface="Courier New" panose="02070309020205020404" pitchFamily="49" charset="0"/>
+              <a:cs typeface="Courier New" panose="02070309020205020404" pitchFamily="49" charset="0"/>
+            </a:endParaRPr>
+          </a:p>
+          <a:p>
+            <a:endParaRPr lang="en-US" dirty="0">
+              <a:latin typeface="Courier New" panose="02070309020205020404" pitchFamily="49" charset="0"/>
+              <a:cs typeface="Courier New" panose="02070309020205020404" pitchFamily="49" charset="0"/>
+            </a:endParaRPr>
+          </a:p>
+        </p:txBody>
+      </p:sp>
+      <p:sp>
+        <p:nvSpPr>
+          <p:cNvPr id="3" name="Title 2"/>
+          <p:cNvSpPr>
+            <a:spLocks noGrp="1"/>
+          </p:cNvSpPr>
+          <p:nvPr>
+            <p:ph type="title"/>
+          </p:nvPr>
+        </p:nvSpPr>
         <p:spPr/>
         <p:txBody>
           <a:bodyPr/>
           <a:lstStyle/>
           <a:p>
             <a:r>
-              <a:rPr lang="en-US" dirty="0"/>
-              <a:t>Typically </a:t>
-            </a:r>
-            <a:r>
-              <a:rPr lang="en-US" dirty="0">
-                <a:latin typeface="Courier New" panose="02070309020205020404" pitchFamily="49" charset="0"/>
-                <a:cs typeface="Courier New" panose="02070309020205020404" pitchFamily="49" charset="0"/>
-              </a:rPr>
-              <a:t>Join,</a:t>
-            </a:r>
-            <a:r>
-              <a:rPr lang="en-US" dirty="0">
-                <a:latin typeface="+mn-lt"/>
-                <a:cs typeface="Courier New" panose="02070309020205020404" pitchFamily="49" charset="0"/>
-              </a:rPr>
-              <a:t> </a:t>
-            </a:r>
-            <a:r>
-              <a:rPr lang="en-US" dirty="0">
-                <a:latin typeface="Courier New" panose="02070309020205020404" pitchFamily="49" charset="0"/>
-                <a:cs typeface="Courier New" panose="02070309020205020404" pitchFamily="49" charset="0"/>
-              </a:rPr>
-              <a:t>Group</a:t>
-            </a:r>
-            <a:r>
-              <a:rPr lang="en-US" dirty="0">
-                <a:latin typeface="+mn-lt"/>
-                <a:cs typeface="Courier New" panose="02070309020205020404" pitchFamily="49" charset="0"/>
-              </a:rPr>
-              <a:t>, </a:t>
-            </a:r>
-            <a:r>
-              <a:rPr lang="en-US" dirty="0"/>
-              <a:t>and</a:t>
-            </a:r>
-            <a:r>
-              <a:rPr lang="en-US" dirty="0">
-                <a:latin typeface="+mn-lt"/>
-                <a:cs typeface="Courier New" panose="02070309020205020404" pitchFamily="49" charset="0"/>
-              </a:rPr>
-              <a:t> </a:t>
-            </a:r>
-            <a:r>
-              <a:rPr lang="en-US" dirty="0">
-                <a:latin typeface="Courier New" panose="02070309020205020404" pitchFamily="49" charset="0"/>
-                <a:cs typeface="Courier New" panose="02070309020205020404" pitchFamily="49" charset="0"/>
-              </a:rPr>
-              <a:t>Aggregate</a:t>
-            </a:r>
-            <a:r>
-              <a:rPr lang="en-US" dirty="0"/>
-              <a:t> operations tend to be more expensive because they are wide transformations that require a lot of shuffling of data around the nodes</a:t>
-            </a:r>
-          </a:p>
-          <a:p>
-            <a:r>
-              <a:rPr lang="en-US" dirty="0"/>
-              <a:t>An alternative data modeling technique would be to embed children records inside the parent so that in a sense they are pre-joined to the parent</a:t>
-            </a:r>
-          </a:p>
-          <a:p>
-            <a:r>
-              <a:rPr lang="en-US" dirty="0"/>
-              <a:t>This reduces the need to do joins and to shuffle data when doing aggregates</a:t>
-            </a:r>
-          </a:p>
-          <a:p>
-            <a:endParaRPr lang="en-US" dirty="0"/>
-          </a:p>
-        </p:txBody>
-      </p:sp>
-      <p:sp>
-        <p:nvSpPr>
-          <p:cNvPr id="3" name="Title 2"/>
-          <p:cNvSpPr>
-            <a:spLocks noGrp="1"/>
-          </p:cNvSpPr>
-          <p:nvPr>
-            <p:ph type="title"/>
-          </p:nvPr>
-        </p:nvSpPr>
-        <p:spPr/>
-        <p:txBody>
-          <a:bodyPr/>
-          <a:lstStyle/>
-          <a:p>
-            <a:r>
-              <a:rPr lang="en-US" dirty="0"/>
-              <a:t>Use Case</a:t>
+              <a:rPr lang="en-US" dirty="0">
+                <a:latin typeface="Courier New" panose="02070309020205020404" pitchFamily="49" charset="0"/>
+                <a:cs typeface="Courier New" panose="02070309020205020404" pitchFamily="49" charset="0"/>
+              </a:rPr>
+              <a:t>collect_list</a:t>
             </a:r>
           </a:p>
         </p:txBody>
@@ -8551,7 +8611,7 @@
     </p:spTree>
     <p:extLst>
       <p:ext uri="{BB962C8B-B14F-4D97-AF65-F5344CB8AC3E}">
-        <p14:creationId xmlns:p14="http://schemas.microsoft.com/office/powerpoint/2010/main" val="2762489557"/>
+        <p14:creationId xmlns:p14="http://schemas.microsoft.com/office/powerpoint/2010/main" val="856217166"/>
       </p:ext>
     </p:extLst>
   </p:cSld>
@@ -8588,70 +8648,63 @@
             <p:ph idx="1"/>
           </p:nvPr>
         </p:nvSpPr>
-        <p:spPr>
-          <a:xfrm>
-            <a:off x="414338" y="1155614"/>
-            <a:ext cx="8458199" cy="5072616"/>
-          </a:xfrm>
-        </p:spPr>
+        <p:spPr/>
         <p:txBody>
           <a:bodyPr/>
           <a:lstStyle/>
           <a:p>
-            <a:pPr>
-              <a:spcAft>
-                <a:spcPts val="1200"/>
-              </a:spcAft>
+            <a:r>
+              <a:rPr lang="en-US" dirty="0"/>
+              <a:t>While it could be done using pure Spark methods, it is much easier to use HQL’s </a:t>
+            </a:r>
+            <a:r>
+              <a:rPr lang="en-US" dirty="0">
+                <a:latin typeface="Courier New" panose="02070309020205020404" pitchFamily="49" charset="0"/>
+                <a:cs typeface="Courier New" panose="02070309020205020404" pitchFamily="49" charset="0"/>
+              </a:rPr>
+              <a:t>NAMED_STRUCT</a:t>
+            </a:r>
+            <a:r>
+              <a:rPr lang="en-US" dirty="0"/>
+              <a:t> function to create a Spark array of structs</a:t>
+            </a:r>
+          </a:p>
+          <a:p>
+            <a:pPr indent="0">
+              <a:buNone/>
             </a:pPr>
             <a:r>
-              <a:rPr lang="en-US" dirty="0"/>
-              <a:t>Spark has two aggregate functions called </a:t>
-            </a:r>
-            <a:r>
-              <a:rPr lang="en-US" dirty="0">
-                <a:latin typeface="Courier New" panose="02070309020205020404" pitchFamily="49" charset="0"/>
-                <a:cs typeface="Courier New" panose="02070309020205020404" pitchFamily="49" charset="0"/>
-              </a:rPr>
-              <a:t>collect_list</a:t>
-            </a:r>
-            <a:r>
-              <a:rPr lang="en-US" dirty="0">
-                <a:latin typeface="+mj-lt"/>
-                <a:cs typeface="Courier New" panose="02070309020205020404" pitchFamily="49" charset="0"/>
-              </a:rPr>
-              <a:t> </a:t>
-            </a:r>
-            <a:r>
-              <a:rPr lang="en-US" dirty="0"/>
-              <a:t>and </a:t>
-            </a:r>
-            <a:r>
-              <a:rPr lang="en-US" dirty="0">
-                <a:latin typeface="Courier New" panose="02070309020205020404" pitchFamily="49" charset="0"/>
-                <a:cs typeface="Courier New" panose="02070309020205020404" pitchFamily="49" charset="0"/>
-              </a:rPr>
-              <a:t>collect_set</a:t>
-            </a:r>
-            <a:r>
-              <a:rPr lang="en-US" dirty="0"/>
-              <a:t> that can be used to group together elements into either a list or a unique set</a:t>
+              <a:rPr lang="en-US" dirty="0">
+                <a:latin typeface="Courier New" panose="02070309020205020404" pitchFamily="49" charset="0"/>
+                <a:cs typeface="Courier New" panose="02070309020205020404" pitchFamily="49" charset="0"/>
+              </a:rPr>
+              <a:t>SELECT r.RegionID, r.RegionName,</a:t>
             </a:r>
             <a:br>
-              <a:rPr lang="en-US" dirty="0"/>
+              <a:rPr lang="en-US" dirty="0">
+                <a:latin typeface="Courier New" panose="02070309020205020404" pitchFamily="49" charset="0"/>
+                <a:cs typeface="Courier New" panose="02070309020205020404" pitchFamily="49" charset="0"/>
+              </a:rPr>
             </a:br>
             <a:r>
-              <a:rPr lang="en-US" sz="1200" dirty="0"/>
-              <a:t> </a:t>
+              <a:rPr lang="en-US" dirty="0">
+                <a:latin typeface="Courier New" panose="02070309020205020404" pitchFamily="49" charset="0"/>
+                <a:cs typeface="Courier New" panose="02070309020205020404" pitchFamily="49" charset="0"/>
+              </a:rPr>
+              <a:t>COLLECT_SET(NAMED_STRUCT("TerritoryID", TerritoryID, "TerritoryName", TerritoryName)) AS TerritoryList</a:t>
             </a:r>
             <a:br>
-              <a:rPr lang="en-US" dirty="0"/>
+              <a:rPr lang="en-US" dirty="0">
+                <a:latin typeface="Courier New" panose="02070309020205020404" pitchFamily="49" charset="0"/>
+                <a:cs typeface="Courier New" panose="02070309020205020404" pitchFamily="49" charset="0"/>
+              </a:rPr>
             </a:br>
             <a:r>
               <a:rPr lang="en-US" dirty="0">
                 <a:latin typeface="Courier New" panose="02070309020205020404" pitchFamily="49" charset="0"/>
                 <a:cs typeface="Courier New" panose="02070309020205020404" pitchFamily="49" charset="0"/>
               </a:rPr>
-              <a:t>from pyspark.sql.functions import collect_list</a:t>
+              <a:t>FROM Regions AS r</a:t>
             </a:r>
             <a:br>
               <a:rPr lang="en-US" dirty="0">
@@ -8664,7 +8717,7 @@
                 <a:latin typeface="Courier New" panose="02070309020205020404" pitchFamily="49" charset="0"/>
                 <a:cs typeface="Courier New" panose="02070309020205020404" pitchFamily="49" charset="0"/>
               </a:rPr>
-              <a:t>territories.groupBy(territories.RegionID). \</a:t>
+              <a:t>JOIN Territories AS t ON r.RegionID = t.RegionID</a:t>
             </a:r>
             <a:br>
               <a:rPr lang="en-US" dirty="0">
@@ -8677,99 +8730,36 @@
                 <a:latin typeface="Courier New" panose="02070309020205020404" pitchFamily="49" charset="0"/>
                 <a:cs typeface="Courier New" panose="02070309020205020404" pitchFamily="49" charset="0"/>
               </a:rPr>
-              <a:t>agg(collect_list(territories.TerritoryName)).show()</a:t>
-            </a:r>
-          </a:p>
-          <a:p>
-            <a:r>
-              <a:rPr lang="en-US" dirty="0"/>
-              <a:t>HQL has a similar function and is much easier to use</a:t>
+              <a:t>GROUP BY r.RegionID, r.RegionName</a:t>
             </a:r>
             <a:br>
-              <a:rPr lang="en-US" dirty="0"/>
+              <a:rPr lang="en-US" dirty="0">
+                <a:latin typeface="Courier New" panose="02070309020205020404" pitchFamily="49" charset="0"/>
+                <a:cs typeface="Courier New" panose="02070309020205020404" pitchFamily="49" charset="0"/>
+              </a:rPr>
             </a:br>
             <a:r>
-              <a:rPr lang="en-US" sz="1200" dirty="0"/>
-              <a:t> </a:t>
-            </a:r>
-            <a:br>
-              <a:rPr lang="en-US" dirty="0"/>
-            </a:br>
-            <a:r>
-              <a:rPr lang="en-US" dirty="0">
-                <a:latin typeface="Courier New" panose="02070309020205020404" pitchFamily="49" charset="0"/>
-                <a:cs typeface="Courier New" panose="02070309020205020404" pitchFamily="49" charset="0"/>
-              </a:rPr>
-              <a:t>tr1 = spark.sql("SELECT RegionID, collect_list(TerritoryName) AS TerritoryList </a:t>
-            </a:r>
-            <a:br>
-              <a:rPr lang="en-US" dirty="0">
-                <a:latin typeface="Courier New" panose="02070309020205020404" pitchFamily="49" charset="0"/>
-                <a:cs typeface="Courier New" panose="02070309020205020404" pitchFamily="49" charset="0"/>
-              </a:rPr>
-            </a:br>
-            <a:r>
-              <a:rPr lang="en-US" dirty="0">
-                <a:latin typeface="Courier New" panose="02070309020205020404" pitchFamily="49" charset="0"/>
-                <a:cs typeface="Courier New" panose="02070309020205020404" pitchFamily="49" charset="0"/>
-              </a:rPr>
-              <a:t>FROM Territories </a:t>
-            </a:r>
-            <a:br>
-              <a:rPr lang="en-US" dirty="0">
-                <a:latin typeface="Courier New" panose="02070309020205020404" pitchFamily="49" charset="0"/>
-                <a:cs typeface="Courier New" panose="02070309020205020404" pitchFamily="49" charset="0"/>
-              </a:rPr>
-            </a:br>
-            <a:r>
-              <a:rPr lang="en-US" dirty="0">
-                <a:latin typeface="Courier New" panose="02070309020205020404" pitchFamily="49" charset="0"/>
-                <a:cs typeface="Courier New" panose="02070309020205020404" pitchFamily="49" charset="0"/>
-              </a:rPr>
-              <a:t>GROUP BY RegionID")</a:t>
-            </a:r>
-            <a:br>
-              <a:rPr lang="en-US" dirty="0">
-                <a:latin typeface="Courier New" panose="02070309020205020404" pitchFamily="49" charset="0"/>
-                <a:cs typeface="Courier New" panose="02070309020205020404" pitchFamily="49" charset="0"/>
-              </a:rPr>
-            </a:br>
-            <a:r>
-              <a:rPr lang="en-US" dirty="0">
-                <a:latin typeface="Courier New" panose="02070309020205020404" pitchFamily="49" charset="0"/>
-                <a:cs typeface="Courier New" panose="02070309020205020404" pitchFamily="49" charset="0"/>
-              </a:rPr>
-              <a:t>tr1.show()</a:t>
-            </a:r>
-            <a:br>
-              <a:rPr lang="en-US" dirty="0">
-                <a:latin typeface="Courier New" panose="02070309020205020404" pitchFamily="49" charset="0"/>
-                <a:cs typeface="Courier New" panose="02070309020205020404" pitchFamily="49" charset="0"/>
-              </a:rPr>
-            </a:br>
-            <a:r>
-              <a:rPr lang="en-US" dirty="0">
-                <a:latin typeface="Courier New" panose="02070309020205020404" pitchFamily="49" charset="0"/>
-                <a:cs typeface="Courier New" panose="02070309020205020404" pitchFamily="49" charset="0"/>
-              </a:rPr>
-              <a:t>tr1.printSchema()</a:t>
-            </a:r>
-            <a:br>
-              <a:rPr lang="en-US" dirty="0">
-                <a:latin typeface="Courier New" panose="02070309020205020404" pitchFamily="49" charset="0"/>
-                <a:cs typeface="Courier New" panose="02070309020205020404" pitchFamily="49" charset="0"/>
-              </a:rPr>
-            </a:br>
-            <a:r>
-              <a:rPr lang="en-US" dirty="0">
-                <a:latin typeface="Courier New" panose="02070309020205020404" pitchFamily="49" charset="0"/>
-                <a:cs typeface="Courier New" panose="02070309020205020404" pitchFamily="49" charset="0"/>
-              </a:rPr>
-              <a:t>print(tr1.take(1))</a:t>
-            </a:r>
-          </a:p>
-          <a:p>
-            <a:pPr marL="0" indent="0">
+              <a:rPr lang="en-US" dirty="0">
+                <a:latin typeface="Courier New" panose="02070309020205020404" pitchFamily="49" charset="0"/>
+                <a:cs typeface="Courier New" panose="02070309020205020404" pitchFamily="49" charset="0"/>
+              </a:rPr>
+              <a:t>ORDER BY r.RegionID</a:t>
+            </a:r>
+          </a:p>
+          <a:p>
+            <a:pPr indent="0">
+              <a:buNone/>
+            </a:pPr>
+            <a:r>
+              <a:rPr lang="en-US" dirty="0">
+                <a:latin typeface="Courier New" panose="02070309020205020404" pitchFamily="49" charset="0"/>
+                <a:cs typeface="Courier New" panose="02070309020205020404" pitchFamily="49" charset="0"/>
+              </a:rPr>
+              <a:t>DataFrame[RegionID: int, RegionName: string, TerritoryList: array&lt;struct&lt;TerritoryID:string,TerritoryName:string&gt;&gt;]</a:t>
+            </a:r>
+          </a:p>
+          <a:p>
+            <a:pPr marL="228600" lvl="1" indent="0">
               <a:buNone/>
             </a:pPr>
             <a:endParaRPr lang="en-US" dirty="0">
@@ -8778,10 +8768,7 @@
             </a:endParaRPr>
           </a:p>
           <a:p>
-            <a:endParaRPr lang="en-US" dirty="0">
-              <a:latin typeface="Courier New" panose="02070309020205020404" pitchFamily="49" charset="0"/>
-              <a:cs typeface="Courier New" panose="02070309020205020404" pitchFamily="49" charset="0"/>
-            </a:endParaRPr>
+            <a:endParaRPr lang="en-US" dirty="0"/>
           </a:p>
         </p:txBody>
       </p:sp>
@@ -8801,6 +8788,10 @@
           <a:lstStyle/>
           <a:p>
             <a:r>
+              <a:rPr lang="en-US" dirty="0"/>
+              <a:t>Complex </a:t>
+            </a:r>
+            <a:r>
               <a:rPr lang="en-US" dirty="0">
                 <a:latin typeface="Courier New" panose="02070309020205020404" pitchFamily="49" charset="0"/>
                 <a:cs typeface="Courier New" panose="02070309020205020404" pitchFamily="49" charset="0"/>
@@ -8813,7 +8804,7 @@
     </p:spTree>
     <p:extLst>
       <p:ext uri="{BB962C8B-B14F-4D97-AF65-F5344CB8AC3E}">
-        <p14:creationId xmlns:p14="http://schemas.microsoft.com/office/powerpoint/2010/main" val="856217166"/>
+        <p14:creationId xmlns:p14="http://schemas.microsoft.com/office/powerpoint/2010/main" val="926687632"/>
       </p:ext>
     </p:extLst>
   </p:cSld>
@@ -8850,6 +8841,176 @@
             <p:ph idx="1"/>
           </p:nvPr>
         </p:nvSpPr>
+        <p:spPr>
+          <a:xfrm>
+            <a:off x="581025" y="1155614"/>
+            <a:ext cx="8110129" cy="5072616"/>
+          </a:xfrm>
+        </p:spPr>
+        <p:txBody>
+          <a:bodyPr/>
+          <a:lstStyle/>
+          <a:p>
+            <a:r>
+              <a:rPr lang="en-US" dirty="0"/>
+              <a:t>Sometimes you get data that is nested in this form and you want to flatten it out</a:t>
+            </a:r>
+          </a:p>
+          <a:p>
+            <a:r>
+              <a:rPr lang="en-US" dirty="0"/>
+              <a:t>This could happen if you read from a complex data source like JSON, XML, or a Hive table that is structured this way</a:t>
+            </a:r>
+          </a:p>
+          <a:p>
+            <a:r>
+              <a:rPr lang="en-US" dirty="0"/>
+              <a:t>To flatten out an embedded array of values, there is a Spark function called explode</a:t>
+            </a:r>
+            <a:br>
+              <a:rPr lang="en-US" dirty="0"/>
+            </a:br>
+            <a:r>
+              <a:rPr lang="en-US" sz="500" dirty="0"/>
+              <a:t> </a:t>
+            </a:r>
+            <a:br>
+              <a:rPr lang="en-US" dirty="0"/>
+            </a:br>
+            <a:r>
+              <a:rPr lang="en-US" dirty="0">
+                <a:latin typeface="Courier New" panose="02070309020205020404" pitchFamily="49" charset="0"/>
+                <a:cs typeface="Courier New" panose="02070309020205020404" pitchFamily="49" charset="0"/>
+              </a:rPr>
+              <a:t>from pyspark.sql.functions import explode</a:t>
+            </a:r>
+            <a:br>
+              <a:rPr lang="en-US" dirty="0">
+                <a:latin typeface="Courier New" panose="02070309020205020404" pitchFamily="49" charset="0"/>
+                <a:cs typeface="Courier New" panose="02070309020205020404" pitchFamily="49" charset="0"/>
+              </a:rPr>
+            </a:br>
+            <a:r>
+              <a:rPr lang="en-US" dirty="0">
+                <a:latin typeface="Courier New" panose="02070309020205020404" pitchFamily="49" charset="0"/>
+                <a:cs typeface="Courier New" panose="02070309020205020404" pitchFamily="49" charset="0"/>
+              </a:rPr>
+              <a:t>tr1.select('RegionID', explode('TerritoryList')).show()</a:t>
+            </a:r>
+          </a:p>
+          <a:p>
+            <a:r>
+              <a:rPr lang="en-US" dirty="0"/>
+              <a:t>HQL has a similar function</a:t>
+            </a:r>
+            <a:br>
+              <a:rPr lang="en-US" dirty="0"/>
+            </a:br>
+            <a:r>
+              <a:rPr lang="en-US" sz="1100" dirty="0"/>
+              <a:t> </a:t>
+            </a:r>
+            <a:br>
+              <a:rPr lang="en-US" dirty="0"/>
+            </a:br>
+            <a:r>
+              <a:rPr lang="en-US" dirty="0">
+                <a:latin typeface="Courier New" panose="02070309020205020404" pitchFamily="49" charset="0"/>
+                <a:cs typeface="Courier New" panose="02070309020205020404" pitchFamily="49" charset="0"/>
+              </a:rPr>
+              <a:t>tr1.createOrReplaceTempView('RegionTerritories')</a:t>
+            </a:r>
+            <a:br>
+              <a:rPr lang="en-US" dirty="0">
+                <a:latin typeface="Courier New" panose="02070309020205020404" pitchFamily="49" charset="0"/>
+                <a:cs typeface="Courier New" panose="02070309020205020404" pitchFamily="49" charset="0"/>
+              </a:rPr>
+            </a:br>
+            <a:r>
+              <a:rPr lang="en-US" dirty="0">
+                <a:latin typeface="Courier New" panose="02070309020205020404" pitchFamily="49" charset="0"/>
+                <a:cs typeface="Courier New" panose="02070309020205020404" pitchFamily="49" charset="0"/>
+              </a:rPr>
+              <a:t>sql = """SELECT RegionID, TerritoryName</a:t>
+            </a:r>
+            <a:br>
+              <a:rPr lang="en-US" dirty="0">
+                <a:latin typeface="Courier New" panose="02070309020205020404" pitchFamily="49" charset="0"/>
+                <a:cs typeface="Courier New" panose="02070309020205020404" pitchFamily="49" charset="0"/>
+              </a:rPr>
+            </a:br>
+            <a:r>
+              <a:rPr lang="en-US" dirty="0">
+                <a:latin typeface="Courier New" panose="02070309020205020404" pitchFamily="49" charset="0"/>
+                <a:cs typeface="Courier New" panose="02070309020205020404" pitchFamily="49" charset="0"/>
+              </a:rPr>
+              <a:t>FROM RegionTerritories</a:t>
+            </a:r>
+            <a:br>
+              <a:rPr lang="en-US" dirty="0">
+                <a:latin typeface="Courier New" panose="02070309020205020404" pitchFamily="49" charset="0"/>
+                <a:cs typeface="Courier New" panose="02070309020205020404" pitchFamily="49" charset="0"/>
+              </a:rPr>
+            </a:br>
+            <a:r>
+              <a:rPr lang="en-US" dirty="0">
+                <a:latin typeface="Courier New" panose="02070309020205020404" pitchFamily="49" charset="0"/>
+                <a:cs typeface="Courier New" panose="02070309020205020404" pitchFamily="49" charset="0"/>
+              </a:rPr>
+              <a:t>LATERAL VIEW EXPLODE(TerritoryList) </a:t>
+            </a:r>
+            <a:br>
+              <a:rPr lang="en-US" dirty="0">
+                <a:latin typeface="Courier New" panose="02070309020205020404" pitchFamily="49" charset="0"/>
+                <a:cs typeface="Courier New" panose="02070309020205020404" pitchFamily="49" charset="0"/>
+              </a:rPr>
+            </a:br>
+            <a:r>
+              <a:rPr lang="en-US" dirty="0">
+                <a:latin typeface="Courier New" panose="02070309020205020404" pitchFamily="49" charset="0"/>
+                <a:cs typeface="Courier New" panose="02070309020205020404" pitchFamily="49" charset="0"/>
+              </a:rPr>
+              <a:t>EXPLODED_TABLE AS TerritoryName </a:t>
+            </a:r>
+            <a:br>
+              <a:rPr lang="en-US" dirty="0">
+                <a:latin typeface="Courier New" panose="02070309020205020404" pitchFamily="49" charset="0"/>
+                <a:cs typeface="Courier New" panose="02070309020205020404" pitchFamily="49" charset="0"/>
+              </a:rPr>
+            </a:br>
+            <a:r>
+              <a:rPr lang="en-US" dirty="0">
+                <a:latin typeface="Courier New" panose="02070309020205020404" pitchFamily="49" charset="0"/>
+                <a:cs typeface="Courier New" panose="02070309020205020404" pitchFamily="49" charset="0"/>
+              </a:rPr>
+              <a:t>ORDER BY RegionID, TerritoryName"""</a:t>
+            </a:r>
+            <a:br>
+              <a:rPr lang="en-US" dirty="0">
+                <a:latin typeface="Courier New" panose="02070309020205020404" pitchFamily="49" charset="0"/>
+                <a:cs typeface="Courier New" panose="02070309020205020404" pitchFamily="49" charset="0"/>
+              </a:rPr>
+            </a:br>
+            <a:r>
+              <a:rPr lang="en-US" dirty="0">
+                <a:latin typeface="Courier New" panose="02070309020205020404" pitchFamily="49" charset="0"/>
+                <a:cs typeface="Courier New" panose="02070309020205020404" pitchFamily="49" charset="0"/>
+              </a:rPr>
+              <a:t>spark.sql(sql).show()</a:t>
+            </a:r>
+          </a:p>
+        </p:txBody>
+      </p:sp>
+      <p:sp>
+        <p:nvSpPr>
+          <p:cNvPr id="3" name="Title 2"/>
+          <p:cNvSpPr>
+            <a:spLocks noGrp="1"/>
+          </p:cNvSpPr>
+          <p:nvPr>
+            <p:ph type="title"/>
+          </p:nvPr>
+        </p:nvSpPr>
         <p:spPr/>
         <p:txBody>
           <a:bodyPr/>
@@ -8857,148 +9018,7 @@
           <a:p>
             <a:r>
               <a:rPr lang="en-US" dirty="0"/>
-              <a:t>While it could be done using pure Spark methods, it is much easier to use HQL’s </a:t>
-            </a:r>
-            <a:r>
-              <a:rPr lang="en-US" dirty="0">
-                <a:latin typeface="Courier New" panose="02070309020205020404" pitchFamily="49" charset="0"/>
-                <a:cs typeface="Courier New" panose="02070309020205020404" pitchFamily="49" charset="0"/>
-              </a:rPr>
-              <a:t>NAMED_STRUCT</a:t>
-            </a:r>
-            <a:r>
-              <a:rPr lang="en-US" dirty="0"/>
-              <a:t> function to create a Spark array of structs</a:t>
-            </a:r>
-          </a:p>
-          <a:p>
-            <a:pPr indent="0">
-              <a:buNone/>
-            </a:pPr>
-            <a:r>
-              <a:rPr lang="en-US" dirty="0">
-                <a:latin typeface="Courier New" panose="02070309020205020404" pitchFamily="49" charset="0"/>
-                <a:cs typeface="Courier New" panose="02070309020205020404" pitchFamily="49" charset="0"/>
-              </a:rPr>
-              <a:t>SELECT r.RegionID, r.RegionName,</a:t>
-            </a:r>
-            <a:br>
-              <a:rPr lang="en-US" dirty="0">
-                <a:latin typeface="Courier New" panose="02070309020205020404" pitchFamily="49" charset="0"/>
-                <a:cs typeface="Courier New" panose="02070309020205020404" pitchFamily="49" charset="0"/>
-              </a:rPr>
-            </a:br>
-            <a:r>
-              <a:rPr lang="en-US" dirty="0">
-                <a:latin typeface="Courier New" panose="02070309020205020404" pitchFamily="49" charset="0"/>
-                <a:cs typeface="Courier New" panose="02070309020205020404" pitchFamily="49" charset="0"/>
-              </a:rPr>
-              <a:t>COLLECT_SET(NAMED_STRUCT("TerritoryID", TerritoryID, "TerritoryName", TerritoryName)) AS TerritoryList</a:t>
-            </a:r>
-            <a:br>
-              <a:rPr lang="en-US" dirty="0">
-                <a:latin typeface="Courier New" panose="02070309020205020404" pitchFamily="49" charset="0"/>
-                <a:cs typeface="Courier New" panose="02070309020205020404" pitchFamily="49" charset="0"/>
-              </a:rPr>
-            </a:br>
-            <a:r>
-              <a:rPr lang="en-US" dirty="0">
-                <a:latin typeface="Courier New" panose="02070309020205020404" pitchFamily="49" charset="0"/>
-                <a:cs typeface="Courier New" panose="02070309020205020404" pitchFamily="49" charset="0"/>
-              </a:rPr>
-              <a:t>FROM Regions AS r</a:t>
-            </a:r>
-            <a:br>
-              <a:rPr lang="en-US" dirty="0">
-                <a:latin typeface="Courier New" panose="02070309020205020404" pitchFamily="49" charset="0"/>
-                <a:cs typeface="Courier New" panose="02070309020205020404" pitchFamily="49" charset="0"/>
-              </a:rPr>
-            </a:br>
-            <a:r>
-              <a:rPr lang="en-US" dirty="0">
-                <a:latin typeface="Courier New" panose="02070309020205020404" pitchFamily="49" charset="0"/>
-                <a:cs typeface="Courier New" panose="02070309020205020404" pitchFamily="49" charset="0"/>
-              </a:rPr>
-              <a:t>JOIN Territories AS t ON r.RegionID = t.RegionID</a:t>
-            </a:r>
-            <a:br>
-              <a:rPr lang="en-US" dirty="0">
-                <a:latin typeface="Courier New" panose="02070309020205020404" pitchFamily="49" charset="0"/>
-                <a:cs typeface="Courier New" panose="02070309020205020404" pitchFamily="49" charset="0"/>
-              </a:rPr>
-            </a:br>
-            <a:r>
-              <a:rPr lang="en-US" dirty="0">
-                <a:latin typeface="Courier New" panose="02070309020205020404" pitchFamily="49" charset="0"/>
-                <a:cs typeface="Courier New" panose="02070309020205020404" pitchFamily="49" charset="0"/>
-              </a:rPr>
-              <a:t>GROUP BY r.RegionID, r.RegionName</a:t>
-            </a:r>
-            <a:br>
-              <a:rPr lang="en-US" dirty="0">
-                <a:latin typeface="Courier New" panose="02070309020205020404" pitchFamily="49" charset="0"/>
-                <a:cs typeface="Courier New" panose="02070309020205020404" pitchFamily="49" charset="0"/>
-              </a:rPr>
-            </a:br>
-            <a:r>
-              <a:rPr lang="en-US" dirty="0">
-                <a:latin typeface="Courier New" panose="02070309020205020404" pitchFamily="49" charset="0"/>
-                <a:cs typeface="Courier New" panose="02070309020205020404" pitchFamily="49" charset="0"/>
-              </a:rPr>
-              <a:t>ORDER BY r.RegionID</a:t>
-            </a:r>
-          </a:p>
-          <a:p>
-            <a:pPr indent="0">
-              <a:buNone/>
-            </a:pPr>
-            <a:r>
-              <a:rPr lang="en-US" dirty="0">
-                <a:latin typeface="Courier New" panose="02070309020205020404" pitchFamily="49" charset="0"/>
-                <a:cs typeface="Courier New" panose="02070309020205020404" pitchFamily="49" charset="0"/>
-              </a:rPr>
-              <a:t>DataFrame[RegionID: int, RegionName: string, TerritoryList: array&lt;struct&lt;TerritoryID:string,TerritoryName:string&gt;&gt;]</a:t>
-            </a:r>
-          </a:p>
-          <a:p>
-            <a:pPr marL="228600" lvl="1" indent="0">
-              <a:buNone/>
-            </a:pPr>
-            <a:endParaRPr lang="en-US" dirty="0">
-              <a:latin typeface="Courier New" panose="02070309020205020404" pitchFamily="49" charset="0"/>
-              <a:cs typeface="Courier New" panose="02070309020205020404" pitchFamily="49" charset="0"/>
-            </a:endParaRPr>
-          </a:p>
-          <a:p>
-            <a:endParaRPr lang="en-US" dirty="0"/>
-          </a:p>
-        </p:txBody>
-      </p:sp>
-      <p:sp>
-        <p:nvSpPr>
-          <p:cNvPr id="3" name="Title 2"/>
-          <p:cNvSpPr>
-            <a:spLocks noGrp="1"/>
-          </p:cNvSpPr>
-          <p:nvPr>
-            <p:ph type="title"/>
-          </p:nvPr>
-        </p:nvSpPr>
-        <p:spPr/>
-        <p:txBody>
-          <a:bodyPr/>
-          <a:lstStyle/>
-          <a:p>
-            <a:r>
-              <a:rPr lang="en-US" dirty="0"/>
-              <a:t>Complex </a:t>
-            </a:r>
-            <a:r>
-              <a:rPr lang="en-US" dirty="0">
-                <a:latin typeface="Courier New" panose="02070309020205020404" pitchFamily="49" charset="0"/>
-                <a:cs typeface="Courier New" panose="02070309020205020404" pitchFamily="49" charset="0"/>
-              </a:rPr>
-              <a:t>collect_list</a:t>
+              <a:t>Exploding</a:t>
             </a:r>
           </a:p>
         </p:txBody>
@@ -9006,7 +9026,7 @@
     </p:spTree>
     <p:extLst>
       <p:ext uri="{BB962C8B-B14F-4D97-AF65-F5344CB8AC3E}">
-        <p14:creationId xmlns:p14="http://schemas.microsoft.com/office/powerpoint/2010/main" val="926687632"/>
+        <p14:creationId xmlns:p14="http://schemas.microsoft.com/office/powerpoint/2010/main" val="4135539595"/>
       </p:ext>
     </p:extLst>
   </p:cSld>
@@ -9035,182 +9055,18 @@
       </p:grpSpPr>
       <p:sp>
         <p:nvSpPr>
-          <p:cNvPr id="2" name="Content Placeholder 1"/>
+          <p:cNvPr id="5" name="Content Placeholder 4">
+            <a:extLst>
+              <a:ext uri="{FF2B5EF4-FFF2-40B4-BE49-F238E27FC236}">
+                <a16:creationId xmlns:a16="http://schemas.microsoft.com/office/drawing/2014/main" id="{577F11C9-892C-4A32-919F-9BED09ACF1C9}"/>
+              </a:ext>
+            </a:extLst>
+          </p:cNvPr>
           <p:cNvSpPr>
             <a:spLocks noGrp="1"/>
           </p:cNvSpPr>
           <p:nvPr>
             <p:ph idx="1"/>
-          </p:nvPr>
-        </p:nvSpPr>
-        <p:spPr>
-          <a:xfrm>
-            <a:off x="581025" y="1155614"/>
-            <a:ext cx="8110129" cy="5072616"/>
-          </a:xfrm>
-        </p:spPr>
-        <p:txBody>
-          <a:bodyPr/>
-          <a:lstStyle/>
-          <a:p>
-            <a:r>
-              <a:rPr lang="en-US" dirty="0"/>
-              <a:t>Sometimes you get data that is nested in this form and you want to flatten it out</a:t>
-            </a:r>
-          </a:p>
-          <a:p>
-            <a:r>
-              <a:rPr lang="en-US" dirty="0"/>
-              <a:t>This could happen if you read from a complex data source like JSON, XML, or a Hive table that is structured this way</a:t>
-            </a:r>
-          </a:p>
-          <a:p>
-            <a:r>
-              <a:rPr lang="en-US" dirty="0"/>
-              <a:t>To flatten out an embedded array of values, there is a Spark function called explode</a:t>
-            </a:r>
-            <a:br>
-              <a:rPr lang="en-US" dirty="0"/>
-            </a:br>
-            <a:r>
-              <a:rPr lang="en-US" sz="500" dirty="0"/>
-              <a:t> </a:t>
-            </a:r>
-            <a:br>
-              <a:rPr lang="en-US" dirty="0"/>
-            </a:br>
-            <a:r>
-              <a:rPr lang="en-US" dirty="0">
-                <a:latin typeface="Courier New" panose="02070309020205020404" pitchFamily="49" charset="0"/>
-                <a:cs typeface="Courier New" panose="02070309020205020404" pitchFamily="49" charset="0"/>
-              </a:rPr>
-              <a:t>from pyspark.sql.functions import explode</a:t>
-            </a:r>
-            <a:br>
-              <a:rPr lang="en-US" dirty="0">
-                <a:latin typeface="Courier New" panose="02070309020205020404" pitchFamily="49" charset="0"/>
-                <a:cs typeface="Courier New" panose="02070309020205020404" pitchFamily="49" charset="0"/>
-              </a:rPr>
-            </a:br>
-            <a:r>
-              <a:rPr lang="en-US" dirty="0">
-                <a:latin typeface="Courier New" panose="02070309020205020404" pitchFamily="49" charset="0"/>
-                <a:cs typeface="Courier New" panose="02070309020205020404" pitchFamily="49" charset="0"/>
-              </a:rPr>
-              <a:t>tr1.select('RegionID', explode('TerritoryList')).show()</a:t>
-            </a:r>
-          </a:p>
-          <a:p>
-            <a:r>
-              <a:rPr lang="en-US" dirty="0"/>
-              <a:t>HQL has a similar function</a:t>
-            </a:r>
-            <a:br>
-              <a:rPr lang="en-US" dirty="0"/>
-            </a:br>
-            <a:r>
-              <a:rPr lang="en-US" sz="1100" dirty="0"/>
-              <a:t> </a:t>
-            </a:r>
-            <a:br>
-              <a:rPr lang="en-US" dirty="0"/>
-            </a:br>
-            <a:r>
-              <a:rPr lang="en-US" dirty="0">
-                <a:latin typeface="Courier New" panose="02070309020205020404" pitchFamily="49" charset="0"/>
-                <a:cs typeface="Courier New" panose="02070309020205020404" pitchFamily="49" charset="0"/>
-              </a:rPr>
-              <a:t>tr1.createOrReplaceTempView('RegionTerritories')</a:t>
-            </a:r>
-            <a:br>
-              <a:rPr lang="en-US" dirty="0">
-                <a:latin typeface="Courier New" panose="02070309020205020404" pitchFamily="49" charset="0"/>
-                <a:cs typeface="Courier New" panose="02070309020205020404" pitchFamily="49" charset="0"/>
-              </a:rPr>
-            </a:br>
-            <a:r>
-              <a:rPr lang="en-US" dirty="0">
-                <a:latin typeface="Courier New" panose="02070309020205020404" pitchFamily="49" charset="0"/>
-                <a:cs typeface="Courier New" panose="02070309020205020404" pitchFamily="49" charset="0"/>
-              </a:rPr>
-              <a:t>sql = """SELECT RegionID, TerritoryName</a:t>
-            </a:r>
-            <a:br>
-              <a:rPr lang="en-US" dirty="0">
-                <a:latin typeface="Courier New" panose="02070309020205020404" pitchFamily="49" charset="0"/>
-                <a:cs typeface="Courier New" panose="02070309020205020404" pitchFamily="49" charset="0"/>
-              </a:rPr>
-            </a:br>
-            <a:r>
-              <a:rPr lang="en-US" dirty="0">
-                <a:latin typeface="Courier New" panose="02070309020205020404" pitchFamily="49" charset="0"/>
-                <a:cs typeface="Courier New" panose="02070309020205020404" pitchFamily="49" charset="0"/>
-              </a:rPr>
-              <a:t>FROM RegionTerritories</a:t>
-            </a:r>
-            <a:br>
-              <a:rPr lang="en-US" dirty="0">
-                <a:latin typeface="Courier New" panose="02070309020205020404" pitchFamily="49" charset="0"/>
-                <a:cs typeface="Courier New" panose="02070309020205020404" pitchFamily="49" charset="0"/>
-              </a:rPr>
-            </a:br>
-            <a:r>
-              <a:rPr lang="en-US" dirty="0">
-                <a:latin typeface="Courier New" panose="02070309020205020404" pitchFamily="49" charset="0"/>
-                <a:cs typeface="Courier New" panose="02070309020205020404" pitchFamily="49" charset="0"/>
-              </a:rPr>
-              <a:t>LATERAL VIEW EXPLODE(TerritoryList) </a:t>
-            </a:r>
-            <a:br>
-              <a:rPr lang="en-US" dirty="0">
-                <a:latin typeface="Courier New" panose="02070309020205020404" pitchFamily="49" charset="0"/>
-                <a:cs typeface="Courier New" panose="02070309020205020404" pitchFamily="49" charset="0"/>
-              </a:rPr>
-            </a:br>
-            <a:r>
-              <a:rPr lang="en-US" dirty="0">
-                <a:latin typeface="Courier New" panose="02070309020205020404" pitchFamily="49" charset="0"/>
-                <a:cs typeface="Courier New" panose="02070309020205020404" pitchFamily="49" charset="0"/>
-              </a:rPr>
-              <a:t>EXPLODED_TABLE AS TerritoryName </a:t>
-            </a:r>
-            <a:br>
-              <a:rPr lang="en-US" dirty="0">
-                <a:latin typeface="Courier New" panose="02070309020205020404" pitchFamily="49" charset="0"/>
-                <a:cs typeface="Courier New" panose="02070309020205020404" pitchFamily="49" charset="0"/>
-              </a:rPr>
-            </a:br>
-            <a:r>
-              <a:rPr lang="en-US" dirty="0">
-                <a:latin typeface="Courier New" panose="02070309020205020404" pitchFamily="49" charset="0"/>
-                <a:cs typeface="Courier New" panose="02070309020205020404" pitchFamily="49" charset="0"/>
-              </a:rPr>
-              <a:t>ORDER BY RegionID, TerritoryName"""</a:t>
-            </a:r>
-            <a:br>
-              <a:rPr lang="en-US" dirty="0">
-                <a:latin typeface="Courier New" panose="02070309020205020404" pitchFamily="49" charset="0"/>
-                <a:cs typeface="Courier New" panose="02070309020205020404" pitchFamily="49" charset="0"/>
-              </a:rPr>
-            </a:br>
-            <a:r>
-              <a:rPr lang="en-US" dirty="0">
-                <a:latin typeface="Courier New" panose="02070309020205020404" pitchFamily="49" charset="0"/>
-                <a:cs typeface="Courier New" panose="02070309020205020404" pitchFamily="49" charset="0"/>
-              </a:rPr>
-              <a:t>spark.sql(sql).show()</a:t>
-            </a:r>
-          </a:p>
-        </p:txBody>
-      </p:sp>
-      <p:sp>
-        <p:nvSpPr>
-          <p:cNvPr id="3" name="Title 2"/>
-          <p:cNvSpPr>
-            <a:spLocks noGrp="1"/>
-          </p:cNvSpPr>
-          <p:nvPr>
-            <p:ph type="title"/>
           </p:nvPr>
         </p:nvSpPr>
         <p:spPr/>
@@ -9220,7 +9076,127 @@
           <a:p>
             <a:r>
               <a:rPr lang="en-US" dirty="0"/>
-              <a:t>Exploding</a:t>
+              <a:t>If the object you are exploding contains a structure, you simply use dot syntax to drill down into the subelements </a:t>
+            </a:r>
+            <a:br>
+              <a:rPr lang="en-US" dirty="0"/>
+            </a:br>
+            <a:r>
+              <a:rPr lang="en-US" sz="1100" dirty="0"/>
+              <a:t> </a:t>
+            </a:r>
+            <a:br>
+              <a:rPr lang="en-US" dirty="0"/>
+            </a:br>
+            <a:r>
+              <a:rPr lang="en-US" dirty="0">
+                <a:latin typeface="Courier New" panose="02070309020205020404" pitchFamily="49" charset="0"/>
+                <a:cs typeface="Courier New" panose="02070309020205020404" pitchFamily="49" charset="0"/>
+              </a:rPr>
+              <a:t>sql = """SELECT RegionID, RegionName, </a:t>
+            </a:r>
+            <a:r>
+              <a:rPr lang="en-US" b="1" dirty="0">
+                <a:latin typeface="Courier New" panose="02070309020205020404" pitchFamily="49" charset="0"/>
+                <a:cs typeface="Courier New" panose="02070309020205020404" pitchFamily="49" charset="0"/>
+              </a:rPr>
+              <a:t>Territory.TerritoryID</a:t>
+            </a:r>
+            <a:r>
+              <a:rPr lang="en-US" dirty="0">
+                <a:latin typeface="Courier New" panose="02070309020205020404" pitchFamily="49" charset="0"/>
+                <a:cs typeface="Courier New" panose="02070309020205020404" pitchFamily="49" charset="0"/>
+              </a:rPr>
+              <a:t> AS TerritoryID, </a:t>
+            </a:r>
+            <a:r>
+              <a:rPr lang="en-US" b="1" dirty="0">
+                <a:latin typeface="Courier New" panose="02070309020205020404" pitchFamily="49" charset="0"/>
+                <a:cs typeface="Courier New" panose="02070309020205020404" pitchFamily="49" charset="0"/>
+              </a:rPr>
+              <a:t>Territory.TerritoryName</a:t>
+            </a:r>
+            <a:r>
+              <a:rPr lang="en-US" dirty="0">
+                <a:latin typeface="Courier New" panose="02070309020205020404" pitchFamily="49" charset="0"/>
+                <a:cs typeface="Courier New" panose="02070309020205020404" pitchFamily="49" charset="0"/>
+              </a:rPr>
+              <a:t> AS TerritoryName</a:t>
+            </a:r>
+            <a:br>
+              <a:rPr lang="en-US" dirty="0">
+                <a:latin typeface="Courier New" panose="02070309020205020404" pitchFamily="49" charset="0"/>
+                <a:cs typeface="Courier New" panose="02070309020205020404" pitchFamily="49" charset="0"/>
+              </a:rPr>
+            </a:br>
+            <a:r>
+              <a:rPr lang="en-US" dirty="0">
+                <a:latin typeface="Courier New" panose="02070309020205020404" pitchFamily="49" charset="0"/>
+                <a:cs typeface="Courier New" panose="02070309020205020404" pitchFamily="49" charset="0"/>
+              </a:rPr>
+              <a:t>FROM RegionTerritories</a:t>
+            </a:r>
+            <a:br>
+              <a:rPr lang="en-US" dirty="0">
+                <a:latin typeface="Courier New" panose="02070309020205020404" pitchFamily="49" charset="0"/>
+                <a:cs typeface="Courier New" panose="02070309020205020404" pitchFamily="49" charset="0"/>
+              </a:rPr>
+            </a:br>
+            <a:r>
+              <a:rPr lang="en-US" dirty="0">
+                <a:latin typeface="Courier New" panose="02070309020205020404" pitchFamily="49" charset="0"/>
+                <a:cs typeface="Courier New" panose="02070309020205020404" pitchFamily="49" charset="0"/>
+              </a:rPr>
+              <a:t>LATERAL VIEW EXPLODE(TerritoryList) EXPLODED_TABLE AS </a:t>
+            </a:r>
+            <a:r>
+              <a:rPr lang="en-US" b="1" dirty="0">
+                <a:latin typeface="Courier New" panose="02070309020205020404" pitchFamily="49" charset="0"/>
+                <a:cs typeface="Courier New" panose="02070309020205020404" pitchFamily="49" charset="0"/>
+              </a:rPr>
+              <a:t>Territory</a:t>
+            </a:r>
+            <a:r>
+              <a:rPr lang="en-US" dirty="0">
+                <a:latin typeface="Courier New" panose="02070309020205020404" pitchFamily="49" charset="0"/>
+                <a:cs typeface="Courier New" panose="02070309020205020404" pitchFamily="49" charset="0"/>
+              </a:rPr>
+              <a:t>"""</a:t>
+            </a:r>
+            <a:br>
+              <a:rPr lang="en-US" dirty="0">
+                <a:latin typeface="Courier New" panose="02070309020205020404" pitchFamily="49" charset="0"/>
+                <a:cs typeface="Courier New" panose="02070309020205020404" pitchFamily="49" charset="0"/>
+              </a:rPr>
+            </a:br>
+            <a:r>
+              <a:rPr lang="en-US" dirty="0">
+                <a:latin typeface="Courier New" panose="02070309020205020404" pitchFamily="49" charset="0"/>
+                <a:cs typeface="Courier New" panose="02070309020205020404" pitchFamily="49" charset="0"/>
+              </a:rPr>
+              <a:t>spark.sql(sql).show()</a:t>
+            </a:r>
+          </a:p>
+        </p:txBody>
+      </p:sp>
+      <p:sp>
+        <p:nvSpPr>
+          <p:cNvPr id="3" name="Title 2"/>
+          <p:cNvSpPr>
+            <a:spLocks noGrp="1"/>
+          </p:cNvSpPr>
+          <p:nvPr>
+            <p:ph type="title"/>
+          </p:nvPr>
+        </p:nvSpPr>
+        <p:spPr/>
+        <p:txBody>
+          <a:bodyPr/>
+          <a:lstStyle/>
+          <a:p>
+            <a:r>
+              <a:rPr lang="en-US" dirty="0"/>
+              <a:t>Complex Exploding</a:t>
             </a:r>
           </a:p>
         </p:txBody>
@@ -9228,7 +9204,7 @@
     </p:spTree>
     <p:extLst>
       <p:ext uri="{BB962C8B-B14F-4D97-AF65-F5344CB8AC3E}">
-        <p14:creationId xmlns:p14="http://schemas.microsoft.com/office/powerpoint/2010/main" val="4135539595"/>
+        <p14:creationId xmlns:p14="http://schemas.microsoft.com/office/powerpoint/2010/main" val="1785131013"/>
       </p:ext>
     </p:extLst>
   </p:cSld>
@@ -9257,18 +9233,240 @@
       </p:grpSpPr>
       <p:sp>
         <p:nvSpPr>
-          <p:cNvPr id="5" name="Content Placeholder 4">
-            <a:extLst>
-              <a:ext uri="{FF2B5EF4-FFF2-40B4-BE49-F238E27FC236}">
-                <a16:creationId xmlns:a16="http://schemas.microsoft.com/office/drawing/2014/main" id="{577F11C9-892C-4A32-919F-9BED09ACF1C9}"/>
-              </a:ext>
-            </a:extLst>
-          </p:cNvPr>
+          <p:cNvPr id="2" name="Content Placeholder 1"/>
           <p:cNvSpPr>
             <a:spLocks noGrp="1"/>
           </p:cNvSpPr>
           <p:nvPr>
             <p:ph idx="1"/>
+          </p:nvPr>
+        </p:nvSpPr>
+        <p:spPr>
+          <a:xfrm>
+            <a:off x="581024" y="1155614"/>
+            <a:ext cx="8416671" cy="5072616"/>
+          </a:xfrm>
+        </p:spPr>
+        <p:txBody>
+          <a:bodyPr/>
+          <a:lstStyle/>
+          <a:p>
+            <a:r>
+              <a:rPr lang="en-US" dirty="0"/>
+              <a:t>Sometimes it is necessary to write complex functions using Python</a:t>
+            </a:r>
+          </a:p>
+          <a:p>
+            <a:pPr>
+              <a:spcAft>
+                <a:spcPts val="600"/>
+              </a:spcAft>
+            </a:pPr>
+            <a:r>
+              <a:rPr lang="en-US" dirty="0"/>
+              <a:t>Import the helper functions in </a:t>
+            </a:r>
+            <a:r>
+              <a:rPr lang="en-US" dirty="0">
+                <a:latin typeface="Courier New" panose="02070309020205020404" pitchFamily="49" charset="0"/>
+                <a:cs typeface="Courier New" panose="02070309020205020404" pitchFamily="49" charset="0"/>
+              </a:rPr>
+              <a:t>pyspark.sql</a:t>
+            </a:r>
+          </a:p>
+          <a:p>
+            <a:pPr marL="228600" lvl="1" indent="0">
+              <a:buNone/>
+            </a:pPr>
+            <a:r>
+              <a:rPr lang="en-US" dirty="0">
+                <a:latin typeface="Courier New" panose="02070309020205020404" pitchFamily="49" charset="0"/>
+                <a:cs typeface="Courier New" panose="02070309020205020404" pitchFamily="49" charset="0"/>
+              </a:rPr>
+              <a:t>from pyspark.sql.functions import udf</a:t>
+            </a:r>
+          </a:p>
+          <a:p>
+            <a:pPr marL="228600" lvl="1" indent="0">
+              <a:buNone/>
+            </a:pPr>
+            <a:r>
+              <a:rPr lang="en-US" dirty="0">
+                <a:latin typeface="Courier New" panose="02070309020205020404" pitchFamily="49" charset="0"/>
+                <a:cs typeface="Courier New" panose="02070309020205020404" pitchFamily="49" charset="0"/>
+              </a:rPr>
+              <a:t>from pyspark.sql.types import *</a:t>
+            </a:r>
+          </a:p>
+          <a:p>
+            <a:pPr marL="228600" lvl="1" indent="0">
+              <a:buNone/>
+            </a:pPr>
+            <a:r>
+              <a:rPr lang="en-US" dirty="0">
+                <a:latin typeface="Courier New" panose="02070309020205020404" pitchFamily="49" charset="0"/>
+                <a:cs typeface="Courier New" panose="02070309020205020404" pitchFamily="49" charset="0"/>
+              </a:rPr>
+              <a:t>from pyspark.sql.functions import to_date</a:t>
+            </a:r>
+          </a:p>
+          <a:p>
+            <a:pPr>
+              <a:spcAft>
+                <a:spcPts val="600"/>
+              </a:spcAft>
+            </a:pPr>
+            <a:r>
+              <a:rPr lang="en-US" dirty="0"/>
+              <a:t>Write whatever custom function you need</a:t>
+            </a:r>
+          </a:p>
+          <a:p>
+            <a:pPr indent="0">
+              <a:spcBef>
+                <a:spcPts val="0"/>
+              </a:spcBef>
+              <a:spcAft>
+                <a:spcPts val="600"/>
+              </a:spcAft>
+              <a:buNone/>
+            </a:pPr>
+            <a:r>
+              <a:rPr lang="en-US" dirty="0">
+                <a:latin typeface="Courier New" panose="02070309020205020404" pitchFamily="49" charset="0"/>
+                <a:cs typeface="Courier New" panose="02070309020205020404" pitchFamily="49" charset="0"/>
+              </a:rPr>
+              <a:t>def city(x):</a:t>
+            </a:r>
+            <a:br>
+              <a:rPr lang="en-US" dirty="0">
+                <a:latin typeface="Courier New" panose="02070309020205020404" pitchFamily="49" charset="0"/>
+                <a:cs typeface="Courier New" panose="02070309020205020404" pitchFamily="49" charset="0"/>
+              </a:rPr>
+            </a:br>
+            <a:r>
+              <a:rPr lang="en-US" dirty="0">
+                <a:latin typeface="Courier New" panose="02070309020205020404" pitchFamily="49" charset="0"/>
+                <a:cs typeface="Courier New" panose="02070309020205020404" pitchFamily="49" charset="0"/>
+              </a:rPr>
+              <a:t>    return x[:x.find(',')]</a:t>
+            </a:r>
+            <a:br>
+              <a:rPr lang="en-US" dirty="0">
+                <a:latin typeface="Courier New" panose="02070309020205020404" pitchFamily="49" charset="0"/>
+                <a:cs typeface="Courier New" panose="02070309020205020404" pitchFamily="49" charset="0"/>
+              </a:rPr>
+            </a:br>
+            <a:r>
+              <a:rPr lang="en-US" dirty="0">
+                <a:latin typeface="Courier New" panose="02070309020205020404" pitchFamily="49" charset="0"/>
+                <a:cs typeface="Courier New" panose="02070309020205020404" pitchFamily="49" charset="0"/>
+              </a:rPr>
+              <a:t>def country(x):</a:t>
+            </a:r>
+            <a:br>
+              <a:rPr lang="en-US" dirty="0">
+                <a:latin typeface="Courier New" panose="02070309020205020404" pitchFamily="49" charset="0"/>
+                <a:cs typeface="Courier New" panose="02070309020205020404" pitchFamily="49" charset="0"/>
+              </a:rPr>
+            </a:br>
+            <a:r>
+              <a:rPr lang="en-US" dirty="0">
+                <a:latin typeface="Courier New" panose="02070309020205020404" pitchFamily="49" charset="0"/>
+                <a:cs typeface="Courier New" panose="02070309020205020404" pitchFamily="49" charset="0"/>
+              </a:rPr>
+              <a:t>    return x[x.find(',') + 1 :]</a:t>
+            </a:r>
+          </a:p>
+          <a:p>
+            <a:pPr>
+              <a:spcAft>
+                <a:spcPts val="600"/>
+              </a:spcAft>
+            </a:pPr>
+            <a:r>
+              <a:rPr lang="en-US" dirty="0"/>
+              <a:t>Call the built-in function or use the </a:t>
+            </a:r>
+            <a:r>
+              <a:rPr lang="en-US" dirty="0">
+                <a:latin typeface="Courier New" panose="02070309020205020404" pitchFamily="49" charset="0"/>
+                <a:cs typeface="Courier New" panose="02070309020205020404" pitchFamily="49" charset="0"/>
+              </a:rPr>
+              <a:t>udf</a:t>
+            </a:r>
+            <a:r>
+              <a:rPr lang="en-US" dirty="0"/>
+              <a:t> function to wrap and call your UDF</a:t>
+            </a:r>
+          </a:p>
+          <a:p>
+            <a:pPr indent="0">
+              <a:spcBef>
+                <a:spcPts val="0"/>
+              </a:spcBef>
+              <a:spcAft>
+                <a:spcPts val="600"/>
+              </a:spcAft>
+              <a:buNone/>
+            </a:pPr>
+            <a:r>
+              <a:rPr lang="en-US" sz="1500" dirty="0">
+                <a:latin typeface="Courier New" panose="02070309020205020404" pitchFamily="49" charset="0"/>
+                <a:cs typeface="Courier New" panose="02070309020205020404" pitchFamily="49" charset="0"/>
+              </a:rPr>
+              <a:t>df4.withColumn('City', udf(city, StringType())(df4.CityCountry)) \</a:t>
+            </a:r>
+            <a:br>
+              <a:rPr lang="en-US" sz="1500" dirty="0">
+                <a:latin typeface="Courier New" panose="02070309020205020404" pitchFamily="49" charset="0"/>
+                <a:cs typeface="Courier New" panose="02070309020205020404" pitchFamily="49" charset="0"/>
+              </a:rPr>
+            </a:br>
+            <a:r>
+              <a:rPr lang="en-US" sz="1500" dirty="0">
+                <a:latin typeface="Courier New" panose="02070309020205020404" pitchFamily="49" charset="0"/>
+                <a:cs typeface="Courier New" panose="02070309020205020404" pitchFamily="49" charset="0"/>
+              </a:rPr>
+              <a:t>.withColumn('Country', udf(country, StringType())(df4.CityCountry)) \</a:t>
+            </a:r>
+            <a:br>
+              <a:rPr lang="en-US" sz="1500" dirty="0">
+                <a:latin typeface="Courier New" panose="02070309020205020404" pitchFamily="49" charset="0"/>
+                <a:cs typeface="Courier New" panose="02070309020205020404" pitchFamily="49" charset="0"/>
+              </a:rPr>
+            </a:br>
+            <a:r>
+              <a:rPr lang="en-US" sz="1500" dirty="0">
+                <a:latin typeface="Courier New" panose="02070309020205020404" pitchFamily="49" charset="0"/>
+                <a:cs typeface="Courier New" panose="02070309020205020404" pitchFamily="49" charset="0"/>
+              </a:rPr>
+              <a:t>.withColumn('Date', to_date(df4.Date, 'dd-MMM-yy')) \</a:t>
+            </a:r>
+            <a:br>
+              <a:rPr lang="en-US" sz="1500" dirty="0">
+                <a:latin typeface="Courier New" panose="02070309020205020404" pitchFamily="49" charset="0"/>
+                <a:cs typeface="Courier New" panose="02070309020205020404" pitchFamily="49" charset="0"/>
+              </a:rPr>
+            </a:br>
+            <a:r>
+              <a:rPr lang="en-US" sz="1500" dirty="0">
+                <a:latin typeface="Courier New" panose="02070309020205020404" pitchFamily="49" charset="0"/>
+                <a:cs typeface="Courier New" panose="02070309020205020404" pitchFamily="49" charset="0"/>
+              </a:rPr>
+              <a:t>.drop(df4.CityCountry)</a:t>
+            </a:r>
+          </a:p>
+        </p:txBody>
+      </p:sp>
+      <p:sp>
+        <p:nvSpPr>
+          <p:cNvPr id="3" name="Title 2"/>
+          <p:cNvSpPr>
+            <a:spLocks noGrp="1"/>
+          </p:cNvSpPr>
+          <p:nvPr>
+            <p:ph type="title"/>
           </p:nvPr>
         </p:nvSpPr>
         <p:spPr/>
@@ -9278,127 +9476,7 @@
           <a:p>
             <a:r>
               <a:rPr lang="en-US" dirty="0"/>
-              <a:t>If the object you are exploding contains a structure, you simply use dot syntax to drill down into the subelements </a:t>
-            </a:r>
-            <a:br>
-              <a:rPr lang="en-US" dirty="0"/>
-            </a:br>
-            <a:r>
-              <a:rPr lang="en-US" sz="1100" dirty="0"/>
-              <a:t> </a:t>
-            </a:r>
-            <a:br>
-              <a:rPr lang="en-US" dirty="0"/>
-            </a:br>
-            <a:r>
-              <a:rPr lang="en-US" dirty="0">
-                <a:latin typeface="Courier New" panose="02070309020205020404" pitchFamily="49" charset="0"/>
-                <a:cs typeface="Courier New" panose="02070309020205020404" pitchFamily="49" charset="0"/>
-              </a:rPr>
-              <a:t>sql = """SELECT RegionID, RegionName, </a:t>
-            </a:r>
-            <a:r>
-              <a:rPr lang="en-US" b="1" dirty="0">
-                <a:latin typeface="Courier New" panose="02070309020205020404" pitchFamily="49" charset="0"/>
-                <a:cs typeface="Courier New" panose="02070309020205020404" pitchFamily="49" charset="0"/>
-              </a:rPr>
-              <a:t>Territory.TerritoryID</a:t>
-            </a:r>
-            <a:r>
-              <a:rPr lang="en-US" dirty="0">
-                <a:latin typeface="Courier New" panose="02070309020205020404" pitchFamily="49" charset="0"/>
-                <a:cs typeface="Courier New" panose="02070309020205020404" pitchFamily="49" charset="0"/>
-              </a:rPr>
-              <a:t> AS TerritoryID, </a:t>
-            </a:r>
-            <a:r>
-              <a:rPr lang="en-US" b="1" dirty="0">
-                <a:latin typeface="Courier New" panose="02070309020205020404" pitchFamily="49" charset="0"/>
-                <a:cs typeface="Courier New" panose="02070309020205020404" pitchFamily="49" charset="0"/>
-              </a:rPr>
-              <a:t>Territory.TerritoryName</a:t>
-            </a:r>
-            <a:r>
-              <a:rPr lang="en-US" dirty="0">
-                <a:latin typeface="Courier New" panose="02070309020205020404" pitchFamily="49" charset="0"/>
-                <a:cs typeface="Courier New" panose="02070309020205020404" pitchFamily="49" charset="0"/>
-              </a:rPr>
-              <a:t> AS TerritoryName</a:t>
-            </a:r>
-            <a:br>
-              <a:rPr lang="en-US" dirty="0">
-                <a:latin typeface="Courier New" panose="02070309020205020404" pitchFamily="49" charset="0"/>
-                <a:cs typeface="Courier New" panose="02070309020205020404" pitchFamily="49" charset="0"/>
-              </a:rPr>
-            </a:br>
-            <a:r>
-              <a:rPr lang="en-US" dirty="0">
-                <a:latin typeface="Courier New" panose="02070309020205020404" pitchFamily="49" charset="0"/>
-                <a:cs typeface="Courier New" panose="02070309020205020404" pitchFamily="49" charset="0"/>
-              </a:rPr>
-              <a:t>FROM RegionTerritories</a:t>
-            </a:r>
-            <a:br>
-              <a:rPr lang="en-US" dirty="0">
-                <a:latin typeface="Courier New" panose="02070309020205020404" pitchFamily="49" charset="0"/>
-                <a:cs typeface="Courier New" panose="02070309020205020404" pitchFamily="49" charset="0"/>
-              </a:rPr>
-            </a:br>
-            <a:r>
-              <a:rPr lang="en-US" dirty="0">
-                <a:latin typeface="Courier New" panose="02070309020205020404" pitchFamily="49" charset="0"/>
-                <a:cs typeface="Courier New" panose="02070309020205020404" pitchFamily="49" charset="0"/>
-              </a:rPr>
-              <a:t>LATERAL VIEW EXPLODE(TerritoryList) EXPLODED_TABLE AS </a:t>
-            </a:r>
-            <a:r>
-              <a:rPr lang="en-US" b="1" dirty="0">
-                <a:latin typeface="Courier New" panose="02070309020205020404" pitchFamily="49" charset="0"/>
-                <a:cs typeface="Courier New" panose="02070309020205020404" pitchFamily="49" charset="0"/>
-              </a:rPr>
-              <a:t>Territory</a:t>
-            </a:r>
-            <a:r>
-              <a:rPr lang="en-US" dirty="0">
-                <a:latin typeface="Courier New" panose="02070309020205020404" pitchFamily="49" charset="0"/>
-                <a:cs typeface="Courier New" panose="02070309020205020404" pitchFamily="49" charset="0"/>
-              </a:rPr>
-              <a:t>"""</a:t>
-            </a:r>
-            <a:br>
-              <a:rPr lang="en-US" dirty="0">
-                <a:latin typeface="Courier New" panose="02070309020205020404" pitchFamily="49" charset="0"/>
-                <a:cs typeface="Courier New" panose="02070309020205020404" pitchFamily="49" charset="0"/>
-              </a:rPr>
-            </a:br>
-            <a:r>
-              <a:rPr lang="en-US" dirty="0">
-                <a:latin typeface="Courier New" panose="02070309020205020404" pitchFamily="49" charset="0"/>
-                <a:cs typeface="Courier New" panose="02070309020205020404" pitchFamily="49" charset="0"/>
-              </a:rPr>
-              <a:t>spark.sql(sql).show()</a:t>
-            </a:r>
-          </a:p>
-        </p:txBody>
-      </p:sp>
-      <p:sp>
-        <p:nvSpPr>
-          <p:cNvPr id="3" name="Title 2"/>
-          <p:cNvSpPr>
-            <a:spLocks noGrp="1"/>
-          </p:cNvSpPr>
-          <p:nvPr>
-            <p:ph type="title"/>
-          </p:nvPr>
-        </p:nvSpPr>
-        <p:spPr/>
-        <p:txBody>
-          <a:bodyPr/>
-          <a:lstStyle/>
-          <a:p>
-            <a:r>
-              <a:rPr lang="en-US" dirty="0"/>
-              <a:t>Complex Exploding</a:t>
+              <a:t>User Defined Functions</a:t>
             </a:r>
           </a:p>
         </p:txBody>
@@ -9406,7 +9484,7 @@
     </p:spTree>
     <p:extLst>
       <p:ext uri="{BB962C8B-B14F-4D97-AF65-F5344CB8AC3E}">
-        <p14:creationId xmlns:p14="http://schemas.microsoft.com/office/powerpoint/2010/main" val="1785131013"/>
+        <p14:creationId xmlns:p14="http://schemas.microsoft.com/office/powerpoint/2010/main" val="3221363704"/>
       </p:ext>
     </p:extLst>
   </p:cSld>
@@ -9443,234 +9521,6 @@
             <p:ph idx="1"/>
           </p:nvPr>
         </p:nvSpPr>
-        <p:spPr>
-          <a:xfrm>
-            <a:off x="581024" y="1155614"/>
-            <a:ext cx="8416671" cy="5072616"/>
-          </a:xfrm>
-        </p:spPr>
-        <p:txBody>
-          <a:bodyPr/>
-          <a:lstStyle/>
-          <a:p>
-            <a:r>
-              <a:rPr lang="en-US" dirty="0"/>
-              <a:t>Sometimes it is necessary to write complex functions using Python</a:t>
-            </a:r>
-          </a:p>
-          <a:p>
-            <a:pPr>
-              <a:spcAft>
-                <a:spcPts val="600"/>
-              </a:spcAft>
-            </a:pPr>
-            <a:r>
-              <a:rPr lang="en-US" dirty="0"/>
-              <a:t>Import the helper functions in </a:t>
-            </a:r>
-            <a:r>
-              <a:rPr lang="en-US" dirty="0">
-                <a:latin typeface="Courier New" panose="02070309020205020404" pitchFamily="49" charset="0"/>
-                <a:cs typeface="Courier New" panose="02070309020205020404" pitchFamily="49" charset="0"/>
-              </a:rPr>
-              <a:t>pyspark.sql</a:t>
-            </a:r>
-          </a:p>
-          <a:p>
-            <a:pPr marL="228600" lvl="1" indent="0">
-              <a:buNone/>
-            </a:pPr>
-            <a:r>
-              <a:rPr lang="en-US" dirty="0">
-                <a:latin typeface="Courier New" panose="02070309020205020404" pitchFamily="49" charset="0"/>
-                <a:cs typeface="Courier New" panose="02070309020205020404" pitchFamily="49" charset="0"/>
-              </a:rPr>
-              <a:t>from pyspark.sql.functions import udf</a:t>
-            </a:r>
-          </a:p>
-          <a:p>
-            <a:pPr marL="228600" lvl="1" indent="0">
-              <a:buNone/>
-            </a:pPr>
-            <a:r>
-              <a:rPr lang="en-US" dirty="0">
-                <a:latin typeface="Courier New" panose="02070309020205020404" pitchFamily="49" charset="0"/>
-                <a:cs typeface="Courier New" panose="02070309020205020404" pitchFamily="49" charset="0"/>
-              </a:rPr>
-              <a:t>from pyspark.sql.types import *</a:t>
-            </a:r>
-          </a:p>
-          <a:p>
-            <a:pPr marL="228600" lvl="1" indent="0">
-              <a:buNone/>
-            </a:pPr>
-            <a:r>
-              <a:rPr lang="en-US" dirty="0">
-                <a:latin typeface="Courier New" panose="02070309020205020404" pitchFamily="49" charset="0"/>
-                <a:cs typeface="Courier New" panose="02070309020205020404" pitchFamily="49" charset="0"/>
-              </a:rPr>
-              <a:t>from pyspark.sql.functions import to_date</a:t>
-            </a:r>
-          </a:p>
-          <a:p>
-            <a:pPr>
-              <a:spcAft>
-                <a:spcPts val="600"/>
-              </a:spcAft>
-            </a:pPr>
-            <a:r>
-              <a:rPr lang="en-US" dirty="0"/>
-              <a:t>Write whatever custom function you need</a:t>
-            </a:r>
-          </a:p>
-          <a:p>
-            <a:pPr indent="0">
-              <a:spcBef>
-                <a:spcPts val="0"/>
-              </a:spcBef>
-              <a:spcAft>
-                <a:spcPts val="600"/>
-              </a:spcAft>
-              <a:buNone/>
-            </a:pPr>
-            <a:r>
-              <a:rPr lang="en-US" dirty="0">
-                <a:latin typeface="Courier New" panose="02070309020205020404" pitchFamily="49" charset="0"/>
-                <a:cs typeface="Courier New" panose="02070309020205020404" pitchFamily="49" charset="0"/>
-              </a:rPr>
-              <a:t>def city(x):</a:t>
-            </a:r>
-            <a:br>
-              <a:rPr lang="en-US" dirty="0">
-                <a:latin typeface="Courier New" panose="02070309020205020404" pitchFamily="49" charset="0"/>
-                <a:cs typeface="Courier New" panose="02070309020205020404" pitchFamily="49" charset="0"/>
-              </a:rPr>
-            </a:br>
-            <a:r>
-              <a:rPr lang="en-US" dirty="0">
-                <a:latin typeface="Courier New" panose="02070309020205020404" pitchFamily="49" charset="0"/>
-                <a:cs typeface="Courier New" panose="02070309020205020404" pitchFamily="49" charset="0"/>
-              </a:rPr>
-              <a:t>    return x[:x.find(',')]</a:t>
-            </a:r>
-            <a:br>
-              <a:rPr lang="en-US" dirty="0">
-                <a:latin typeface="Courier New" panose="02070309020205020404" pitchFamily="49" charset="0"/>
-                <a:cs typeface="Courier New" panose="02070309020205020404" pitchFamily="49" charset="0"/>
-              </a:rPr>
-            </a:br>
-            <a:r>
-              <a:rPr lang="en-US" dirty="0">
-                <a:latin typeface="Courier New" panose="02070309020205020404" pitchFamily="49" charset="0"/>
-                <a:cs typeface="Courier New" panose="02070309020205020404" pitchFamily="49" charset="0"/>
-              </a:rPr>
-              <a:t>def country(x):</a:t>
-            </a:r>
-            <a:br>
-              <a:rPr lang="en-US" dirty="0">
-                <a:latin typeface="Courier New" panose="02070309020205020404" pitchFamily="49" charset="0"/>
-                <a:cs typeface="Courier New" panose="02070309020205020404" pitchFamily="49" charset="0"/>
-              </a:rPr>
-            </a:br>
-            <a:r>
-              <a:rPr lang="en-US" dirty="0">
-                <a:latin typeface="Courier New" panose="02070309020205020404" pitchFamily="49" charset="0"/>
-                <a:cs typeface="Courier New" panose="02070309020205020404" pitchFamily="49" charset="0"/>
-              </a:rPr>
-              <a:t>    return x[x.find(',') + 1 :]</a:t>
-            </a:r>
-          </a:p>
-          <a:p>
-            <a:pPr>
-              <a:spcAft>
-                <a:spcPts val="600"/>
-              </a:spcAft>
-            </a:pPr>
-            <a:r>
-              <a:rPr lang="en-US" dirty="0"/>
-              <a:t>Call the built-in function or use the </a:t>
-            </a:r>
-            <a:r>
-              <a:rPr lang="en-US" dirty="0">
-                <a:latin typeface="Courier New" panose="02070309020205020404" pitchFamily="49" charset="0"/>
-                <a:cs typeface="Courier New" panose="02070309020205020404" pitchFamily="49" charset="0"/>
-              </a:rPr>
-              <a:t>udf</a:t>
-            </a:r>
-            <a:r>
-              <a:rPr lang="en-US" dirty="0"/>
-              <a:t> function to wrap and call your UDF</a:t>
-            </a:r>
-          </a:p>
-          <a:p>
-            <a:pPr indent="0">
-              <a:spcBef>
-                <a:spcPts val="0"/>
-              </a:spcBef>
-              <a:spcAft>
-                <a:spcPts val="600"/>
-              </a:spcAft>
-              <a:buNone/>
-            </a:pPr>
-            <a:r>
-              <a:rPr lang="en-US" sz="1500" dirty="0">
-                <a:latin typeface="Courier New" panose="02070309020205020404" pitchFamily="49" charset="0"/>
-                <a:cs typeface="Courier New" panose="02070309020205020404" pitchFamily="49" charset="0"/>
-              </a:rPr>
-              <a:t>df4.withColumn('City', udf(city, StringType())(df4.CityCountry)) \</a:t>
-            </a:r>
-            <a:br>
-              <a:rPr lang="en-US" sz="1500" dirty="0">
-                <a:latin typeface="Courier New" panose="02070309020205020404" pitchFamily="49" charset="0"/>
-                <a:cs typeface="Courier New" panose="02070309020205020404" pitchFamily="49" charset="0"/>
-              </a:rPr>
-            </a:br>
-            <a:r>
-              <a:rPr lang="en-US" sz="1500" dirty="0">
-                <a:latin typeface="Courier New" panose="02070309020205020404" pitchFamily="49" charset="0"/>
-                <a:cs typeface="Courier New" panose="02070309020205020404" pitchFamily="49" charset="0"/>
-              </a:rPr>
-              <a:t>.withColumn('Country', udf(country, StringType())(df4.CityCountry)) \</a:t>
-            </a:r>
-            <a:br>
-              <a:rPr lang="en-US" sz="1500" dirty="0">
-                <a:latin typeface="Courier New" panose="02070309020205020404" pitchFamily="49" charset="0"/>
-                <a:cs typeface="Courier New" panose="02070309020205020404" pitchFamily="49" charset="0"/>
-              </a:rPr>
-            </a:br>
-            <a:r>
-              <a:rPr lang="en-US" sz="1500" dirty="0">
-                <a:latin typeface="Courier New" panose="02070309020205020404" pitchFamily="49" charset="0"/>
-                <a:cs typeface="Courier New" panose="02070309020205020404" pitchFamily="49" charset="0"/>
-              </a:rPr>
-              <a:t>.withColumn('Date', to_date(df4.Date, 'dd-MMM-yy')) \</a:t>
-            </a:r>
-            <a:br>
-              <a:rPr lang="en-US" sz="1500" dirty="0">
-                <a:latin typeface="Courier New" panose="02070309020205020404" pitchFamily="49" charset="0"/>
-                <a:cs typeface="Courier New" panose="02070309020205020404" pitchFamily="49" charset="0"/>
-              </a:rPr>
-            </a:br>
-            <a:r>
-              <a:rPr lang="en-US" sz="1500" dirty="0">
-                <a:latin typeface="Courier New" panose="02070309020205020404" pitchFamily="49" charset="0"/>
-                <a:cs typeface="Courier New" panose="02070309020205020404" pitchFamily="49" charset="0"/>
-              </a:rPr>
-              <a:t>.drop(df4.CityCountry)</a:t>
-            </a:r>
-          </a:p>
-        </p:txBody>
-      </p:sp>
-      <p:sp>
-        <p:nvSpPr>
-          <p:cNvPr id="3" name="Title 2"/>
-          <p:cNvSpPr>
-            <a:spLocks noGrp="1"/>
-          </p:cNvSpPr>
-          <p:nvPr>
-            <p:ph type="title"/>
-          </p:nvPr>
-        </p:nvSpPr>
         <p:spPr/>
         <p:txBody>
           <a:bodyPr/>
@@ -9678,7 +9528,97 @@
           <a:p>
             <a:r>
               <a:rPr lang="en-US" dirty="0"/>
-              <a:t>User Defined Functions</a:t>
+              <a:t>Ultimately, Spark is just a processing engine that can read data from almost any source</a:t>
+            </a:r>
+          </a:p>
+          <a:p>
+            <a:pPr lvl="1"/>
+            <a:r>
+              <a:rPr lang="en-US" dirty="0"/>
+              <a:t>Local files would be read in and distributed into the cluster</a:t>
+            </a:r>
+          </a:p>
+          <a:p>
+            <a:pPr lvl="1"/>
+            <a:r>
+              <a:rPr lang="en-US" dirty="0"/>
+              <a:t>HDFS files are already in a cluster and could be parallel loaded into Spark nodes simultaneously</a:t>
+            </a:r>
+          </a:p>
+          <a:p>
+            <a:pPr lvl="1"/>
+            <a:r>
+              <a:rPr lang="en-US" dirty="0"/>
+              <a:t>Data in a SQL table would be similar to a local file and would be fed into the cluster as it retrieves it from the SQL server</a:t>
+            </a:r>
+          </a:p>
+          <a:p>
+            <a:pPr lvl="1"/>
+            <a:r>
+              <a:rPr lang="en-US" dirty="0"/>
+              <a:t>Data in a NoSQL cluster is already partitioned in a cluster and like HDFS could be parallel loaded</a:t>
+            </a:r>
+          </a:p>
+          <a:p>
+            <a:r>
+              <a:rPr lang="en-US" dirty="0"/>
+              <a:t>You will get the fastest load performance for both reading and writing when the data is already stored in a clustered environment</a:t>
+            </a:r>
+          </a:p>
+          <a:p>
+            <a:r>
+              <a:rPr lang="en-US" dirty="0"/>
+              <a:t>There are many built-in data sources</a:t>
+            </a:r>
+          </a:p>
+          <a:p>
+            <a:pPr lvl="1"/>
+            <a:r>
+              <a:rPr lang="en-US" dirty="0"/>
+              <a:t>JSON</a:t>
+            </a:r>
+          </a:p>
+          <a:p>
+            <a:pPr lvl="1"/>
+            <a:r>
+              <a:rPr lang="en-US" dirty="0"/>
+              <a:t>CSV</a:t>
+            </a:r>
+          </a:p>
+          <a:p>
+            <a:pPr lvl="1"/>
+            <a:r>
+              <a:rPr lang="en-US" dirty="0"/>
+              <a:t>Parquet</a:t>
+            </a:r>
+          </a:p>
+          <a:p>
+            <a:pPr lvl="1"/>
+            <a:r>
+              <a:rPr lang="en-US" dirty="0"/>
+              <a:t>ORC </a:t>
+            </a:r>
+          </a:p>
+        </p:txBody>
+      </p:sp>
+      <p:sp>
+        <p:nvSpPr>
+          <p:cNvPr id="3" name="Title 2"/>
+          <p:cNvSpPr>
+            <a:spLocks noGrp="1"/>
+          </p:cNvSpPr>
+          <p:nvPr>
+            <p:ph type="title"/>
+          </p:nvPr>
+        </p:nvSpPr>
+        <p:spPr/>
+        <p:txBody>
+          <a:bodyPr/>
+          <a:lstStyle/>
+          <a:p>
+            <a:r>
+              <a:rPr lang="en-US" dirty="0"/>
+              <a:t>Closing Thoughts</a:t>
             </a:r>
           </a:p>
         </p:txBody>
@@ -9686,7 +9626,7 @@
     </p:spTree>
     <p:extLst>
       <p:ext uri="{BB962C8B-B14F-4D97-AF65-F5344CB8AC3E}">
-        <p14:creationId xmlns:p14="http://schemas.microsoft.com/office/powerpoint/2010/main" val="3221363704"/>
+        <p14:creationId xmlns:p14="http://schemas.microsoft.com/office/powerpoint/2010/main" val="1022529668"/>
       </p:ext>
     </p:extLst>
   </p:cSld>
@@ -9821,148 +9761,6 @@
             <p:ph idx="1"/>
           </p:nvPr>
         </p:nvSpPr>
-        <p:spPr/>
-        <p:txBody>
-          <a:bodyPr/>
-          <a:lstStyle/>
-          <a:p>
-            <a:r>
-              <a:rPr lang="en-US" dirty="0"/>
-              <a:t>Ultimately, Spark is just a processing engine that can read data from almost any source</a:t>
-            </a:r>
-          </a:p>
-          <a:p>
-            <a:pPr lvl="1"/>
-            <a:r>
-              <a:rPr lang="en-US" dirty="0"/>
-              <a:t>Local files would be read in and distributed into the cluster</a:t>
-            </a:r>
-          </a:p>
-          <a:p>
-            <a:pPr lvl="1"/>
-            <a:r>
-              <a:rPr lang="en-US" dirty="0"/>
-              <a:t>HDFS files are already in a cluster and could be parallel loaded into Spark nodes simultaneously</a:t>
-            </a:r>
-          </a:p>
-          <a:p>
-            <a:pPr lvl="1"/>
-            <a:r>
-              <a:rPr lang="en-US" dirty="0"/>
-              <a:t>Data in a SQL table would be similar to a local file and would be fed into the cluster as it retrieves it from the SQL server</a:t>
-            </a:r>
-          </a:p>
-          <a:p>
-            <a:pPr lvl="1"/>
-            <a:r>
-              <a:rPr lang="en-US" dirty="0"/>
-              <a:t>Data in a NoSQL cluster is already partitioned in a cluster and like HDFS could be parallel loaded</a:t>
-            </a:r>
-          </a:p>
-          <a:p>
-            <a:r>
-              <a:rPr lang="en-US" dirty="0"/>
-              <a:t>You will get the fastest load performance for both reading and writing when the data is already stored in a clustered environment</a:t>
-            </a:r>
-          </a:p>
-          <a:p>
-            <a:r>
-              <a:rPr lang="en-US" dirty="0"/>
-              <a:t>There are many built-in data sources</a:t>
-            </a:r>
-          </a:p>
-          <a:p>
-            <a:pPr lvl="1"/>
-            <a:r>
-              <a:rPr lang="en-US" dirty="0"/>
-              <a:t>JSON</a:t>
-            </a:r>
-          </a:p>
-          <a:p>
-            <a:pPr lvl="1"/>
-            <a:r>
-              <a:rPr lang="en-US" dirty="0"/>
-              <a:t>CSV</a:t>
-            </a:r>
-          </a:p>
-          <a:p>
-            <a:pPr lvl="1"/>
-            <a:r>
-              <a:rPr lang="en-US" dirty="0"/>
-              <a:t>Parquet</a:t>
-            </a:r>
-          </a:p>
-          <a:p>
-            <a:pPr lvl="1"/>
-            <a:r>
-              <a:rPr lang="en-US" dirty="0"/>
-              <a:t>ORC </a:t>
-            </a:r>
-          </a:p>
-        </p:txBody>
-      </p:sp>
-      <p:sp>
-        <p:nvSpPr>
-          <p:cNvPr id="3" name="Title 2"/>
-          <p:cNvSpPr>
-            <a:spLocks noGrp="1"/>
-          </p:cNvSpPr>
-          <p:nvPr>
-            <p:ph type="title"/>
-          </p:nvPr>
-        </p:nvSpPr>
-        <p:spPr/>
-        <p:txBody>
-          <a:bodyPr/>
-          <a:lstStyle/>
-          <a:p>
-            <a:r>
-              <a:rPr lang="en-US" dirty="0"/>
-              <a:t>Closing Thoughts</a:t>
-            </a:r>
-          </a:p>
-        </p:txBody>
-      </p:sp>
-    </p:spTree>
-    <p:extLst>
-      <p:ext uri="{BB962C8B-B14F-4D97-AF65-F5344CB8AC3E}">
-        <p14:creationId xmlns:p14="http://schemas.microsoft.com/office/powerpoint/2010/main" val="1022529668"/>
-      </p:ext>
-    </p:extLst>
-  </p:cSld>
-  <p:clrMapOvr>
-    <a:masterClrMapping/>
-  </p:clrMapOvr>
-</p:sld>
-</file>
-
-<file path=ppt/slides/slide21.xml><?xml version="1.0" encoding="utf-8"?>
-<p:sld xmlns:a="http://schemas.openxmlformats.org/drawingml/2006/main" xmlns:r="http://schemas.openxmlformats.org/officeDocument/2006/relationships" xmlns:p="http://schemas.openxmlformats.org/presentationml/2006/main">
-  <p:cSld>
-    <p:spTree>
-      <p:nvGrpSpPr>
-        <p:cNvPr id="1" name=""/>
-        <p:cNvGrpSpPr/>
-        <p:nvPr/>
-      </p:nvGrpSpPr>
-      <p:grpSpPr>
-        <a:xfrm>
-          <a:off x="0" y="0"/>
-          <a:ext cx="0" cy="0"/>
-          <a:chOff x="0" y="0"/>
-          <a:chExt cx="0" cy="0"/>
-        </a:xfrm>
-      </p:grpSpPr>
-      <p:sp>
-        <p:nvSpPr>
-          <p:cNvPr id="2" name="Content Placeholder 1"/>
-          <p:cNvSpPr>
-            <a:spLocks noGrp="1"/>
-          </p:cNvSpPr>
-          <p:nvPr>
-            <p:ph idx="1"/>
-          </p:nvPr>
-        </p:nvSpPr>
         <p:spPr>
           <a:xfrm>
             <a:off x="635726" y="1123530"/>
@@ -10087,7 +9885,21 @@
                 <a:latin typeface="Courier New" panose="02070309020205020404" pitchFamily="49" charset="0"/>
                 <a:cs typeface="Courier New" panose="02070309020205020404" pitchFamily="49" charset="0"/>
               </a:rPr>
-              <a:t>table_df = sqlContext.read \</a:t>
+              <a:t>table_df = </a:t>
+            </a:r>
+            <a:r>
+              <a:rPr lang="en-US" sz="1600">
+                <a:latin typeface="Courier New" panose="02070309020205020404" pitchFamily="49" charset="0"/>
+                <a:cs typeface="Courier New" panose="02070309020205020404" pitchFamily="49" charset="0"/>
+              </a:rPr>
+              <a:t>spark.</a:t>
+            </a:r>
+            <a:r>
+              <a:rPr lang="en-US" sz="1600" dirty="0">
+                <a:latin typeface="Courier New" panose="02070309020205020404" pitchFamily="49" charset="0"/>
+                <a:cs typeface="Courier New" panose="02070309020205020404" pitchFamily="49" charset="0"/>
+              </a:rPr>
+              <a:t>read \</a:t>
             </a:r>
             <a:br>
               <a:rPr lang="en-US" sz="1600" dirty="0">
@@ -10172,7 +9984,7 @@
 </p:sld>
 </file>
 
-<file path=ppt/slides/slide22.xml><?xml version="1.0" encoding="utf-8"?>
+<file path=ppt/slides/slide21.xml><?xml version="1.0" encoding="utf-8"?>
 <p:sld xmlns:a="http://schemas.openxmlformats.org/drawingml/2006/main" xmlns:r="http://schemas.openxmlformats.org/officeDocument/2006/relationships" xmlns:p="http://schemas.openxmlformats.org/presentationml/2006/main">
   <p:cSld>
     <p:spTree>

--- a/455DE-Ch03_SparkSQL.pptx
+++ b/455DE-Ch03_SparkSQL.pptx
@@ -9885,21 +9885,7 @@
                 <a:latin typeface="Courier New" panose="02070309020205020404" pitchFamily="49" charset="0"/>
                 <a:cs typeface="Courier New" panose="02070309020205020404" pitchFamily="49" charset="0"/>
               </a:rPr>
-              <a:t>table_df = </a:t>
-            </a:r>
-            <a:r>
-              <a:rPr lang="en-US" sz="1600">
-                <a:latin typeface="Courier New" panose="02070309020205020404" pitchFamily="49" charset="0"/>
-                <a:cs typeface="Courier New" panose="02070309020205020404" pitchFamily="49" charset="0"/>
-              </a:rPr>
-              <a:t>spark.</a:t>
-            </a:r>
-            <a:r>
-              <a:rPr lang="en-US" sz="1600" dirty="0">
-                <a:latin typeface="Courier New" panose="02070309020205020404" pitchFamily="49" charset="0"/>
-                <a:cs typeface="Courier New" panose="02070309020205020404" pitchFamily="49" charset="0"/>
-              </a:rPr>
-              <a:t>read \</a:t>
+              <a:t>table_df = spark.read \</a:t>
             </a:r>
             <a:br>
               <a:rPr lang="en-US" sz="1600" dirty="0">
@@ -12432,52 +12418,6 @@
 </file>
 
 <file path=customXml/item1.xml><?xml version="1.0" encoding="utf-8"?>
-<?mso-contentType ?>
-<spe:Receivers xmlns:spe="http://schemas.microsoft.com/sharepoint/events">
-  <Receiver>
-    <Name>Document ID Generator</Name>
-    <Synchronization>Synchronous</Synchronization>
-    <Type>10001</Type>
-    <SequenceNumber>1000</SequenceNumber>
-    <Assembly>Microsoft.Office.DocumentManagement, Version=14.0.0.0, Culture=neutral, PublicKeyToken=71e9bce111e9429c</Assembly>
-    <Class>Microsoft.Office.DocumentManagement.Internal.DocIdHandler</Class>
-    <Data/>
-    <Filter/>
-  </Receiver>
-  <Receiver>
-    <Name>Document ID Generator</Name>
-    <Synchronization>Synchronous</Synchronization>
-    <Type>10002</Type>
-    <SequenceNumber>1001</SequenceNumber>
-    <Assembly>Microsoft.Office.DocumentManagement, Version=14.0.0.0, Culture=neutral, PublicKeyToken=71e9bce111e9429c</Assembly>
-    <Class>Microsoft.Office.DocumentManagement.Internal.DocIdHandler</Class>
-    <Data/>
-    <Filter/>
-  </Receiver>
-  <Receiver>
-    <Name>Document ID Generator</Name>
-    <Synchronization>Synchronous</Synchronization>
-    <Type>10004</Type>
-    <SequenceNumber>1002</SequenceNumber>
-    <Assembly>Microsoft.Office.DocumentManagement, Version=14.0.0.0, Culture=neutral, PublicKeyToken=71e9bce111e9429c</Assembly>
-    <Class>Microsoft.Office.DocumentManagement.Internal.DocIdHandler</Class>
-    <Data/>
-    <Filter/>
-  </Receiver>
-  <Receiver>
-    <Name>Document ID Generator</Name>
-    <Synchronization>Synchronous</Synchronization>
-    <Type>10006</Type>
-    <SequenceNumber>1003</SequenceNumber>
-    <Assembly>Microsoft.Office.DocumentManagement, Version=14.0.0.0, Culture=neutral, PublicKeyToken=71e9bce111e9429c</Assembly>
-    <Class>Microsoft.Office.DocumentManagement.Internal.DocIdHandler</Class>
-    <Data/>
-    <Filter/>
-  </Receiver>
-</spe:Receivers>
-</file>
-
-<file path=customXml/item2.xml><?xml version="1.0" encoding="utf-8"?>
 <ct:contentTypeSchema xmlns:ct="http://schemas.microsoft.com/office/2006/metadata/contentType" xmlns:ma="http://schemas.microsoft.com/office/2006/metadata/properties/metaAttributes" ct:_="" ma:_="" ma:contentTypeName="Document" ma:contentTypeID="0x0101006B08A054FD435346B287BB258D6D8C2A" ma:contentTypeVersion="2" ma:contentTypeDescription="Create a new document." ma:contentTypeScope="" ma:versionID="6146b90b4382322d8952632f355192b7">
   <xsd:schema xmlns:xsd="http://www.w3.org/2001/XMLSchema" xmlns:xs="http://www.w3.org/2001/XMLSchema" xmlns:p="http://schemas.microsoft.com/office/2006/metadata/properties" xmlns:ns2="027ed24f-5970-4294-be5c-0919c5aaa214" xmlns:ns3="037063e9-a85e-4c78-8627-f1a9315663e5" targetNamespace="http://schemas.microsoft.com/office/2006/metadata/properties" ma:root="true" ma:fieldsID="b5d91f802dafd2e22aeea528efbe2d3e" ns2:_="" ns3:_="">
     <xsd:import namespace="027ed24f-5970-4294-be5c-0919c5aaa214"/>
@@ -12643,7 +12583,62 @@
 </ct:contentTypeSchema>
 </file>
 
+<file path=customXml/item2.xml><?xml version="1.0" encoding="utf-8"?>
+<?mso-contentType ?>
+<spe:Receivers xmlns:spe="http://schemas.microsoft.com/sharepoint/events">
+  <Receiver>
+    <Name>Document ID Generator</Name>
+    <Synchronization>Synchronous</Synchronization>
+    <Type>10001</Type>
+    <SequenceNumber>1000</SequenceNumber>
+    <Assembly>Microsoft.Office.DocumentManagement, Version=14.0.0.0, Culture=neutral, PublicKeyToken=71e9bce111e9429c</Assembly>
+    <Class>Microsoft.Office.DocumentManagement.Internal.DocIdHandler</Class>
+    <Data/>
+    <Filter/>
+  </Receiver>
+  <Receiver>
+    <Name>Document ID Generator</Name>
+    <Synchronization>Synchronous</Synchronization>
+    <Type>10002</Type>
+    <SequenceNumber>1001</SequenceNumber>
+    <Assembly>Microsoft.Office.DocumentManagement, Version=14.0.0.0, Culture=neutral, PublicKeyToken=71e9bce111e9429c</Assembly>
+    <Class>Microsoft.Office.DocumentManagement.Internal.DocIdHandler</Class>
+    <Data/>
+    <Filter/>
+  </Receiver>
+  <Receiver>
+    <Name>Document ID Generator</Name>
+    <Synchronization>Synchronous</Synchronization>
+    <Type>10004</Type>
+    <SequenceNumber>1002</SequenceNumber>
+    <Assembly>Microsoft.Office.DocumentManagement, Version=14.0.0.0, Culture=neutral, PublicKeyToken=71e9bce111e9429c</Assembly>
+    <Class>Microsoft.Office.DocumentManagement.Internal.DocIdHandler</Class>
+    <Data/>
+    <Filter/>
+  </Receiver>
+  <Receiver>
+    <Name>Document ID Generator</Name>
+    <Synchronization>Synchronous</Synchronization>
+    <Type>10006</Type>
+    <SequenceNumber>1003</SequenceNumber>
+    <Assembly>Microsoft.Office.DocumentManagement, Version=14.0.0.0, Culture=neutral, PublicKeyToken=71e9bce111e9429c</Assembly>
+    <Class>Microsoft.Office.DocumentManagement.Internal.DocIdHandler</Class>
+    <Data/>
+    <Filter/>
+  </Receiver>
+</spe:Receivers>
+</file>
+
 <file path=customXml/item3.xml><?xml version="1.0" encoding="utf-8"?>
+<?mso-contentType ?>
+<FormTemplates xmlns="http://schemas.microsoft.com/sharepoint/v3/contenttype/forms">
+  <Display>DocumentLibraryForm</Display>
+  <Edit>DocumentLibraryForm</Edit>
+  <New>DocumentLibraryForm</New>
+</FormTemplates>
+</file>
+
+<file path=customXml/item4.xml><?xml version="1.0" encoding="utf-8"?>
 <p:properties xmlns:p="http://schemas.microsoft.com/office/2006/metadata/properties" xmlns:xsi="http://www.w3.org/2001/XMLSchema-instance" xmlns:pc="http://schemas.microsoft.com/office/infopath/2007/PartnerControls">
   <documentManagement>
     <_dlc_DocId xmlns="037063e9-a85e-4c78-8627-f1a9315663e5">EVEA5JW6U4JV-6-9770</_dlc_DocId>
@@ -12657,24 +12652,7 @@
 </p:properties>
 </file>
 
-<file path=customXml/item4.xml><?xml version="1.0" encoding="utf-8"?>
-<?mso-contentType ?>
-<FormTemplates xmlns="http://schemas.microsoft.com/sharepoint/v3/contenttype/forms">
-  <Display>DocumentLibraryForm</Display>
-  <Edit>DocumentLibraryForm</Edit>
-  <New>DocumentLibraryForm</New>
-</FormTemplates>
-</file>
-
 <file path=customXml/itemProps1.xml><?xml version="1.0" encoding="utf-8"?>
-<ds:datastoreItem xmlns:ds="http://schemas.openxmlformats.org/officeDocument/2006/customXml" ds:itemID="{B9043294-8302-4947-B882-02D6486F929C}">
-  <ds:schemaRefs>
-    <ds:schemaRef ds:uri="http://schemas.microsoft.com/sharepoint/events"/>
-  </ds:schemaRefs>
-</ds:datastoreItem>
-</file>
-
-<file path=customXml/itemProps2.xml><?xml version="1.0" encoding="utf-8"?>
 <ds:datastoreItem xmlns:ds="http://schemas.openxmlformats.org/officeDocument/2006/customXml" ds:itemID="{B8E0886B-5092-4138-9EEE-28D3BFD5A483}">
   <ds:schemaRefs>
     <ds:schemaRef ds:uri="http://schemas.microsoft.com/office/2006/metadata/contentType"/>
@@ -12693,7 +12671,23 @@
 </ds:datastoreItem>
 </file>
 
+<file path=customXml/itemProps2.xml><?xml version="1.0" encoding="utf-8"?>
+<ds:datastoreItem xmlns:ds="http://schemas.openxmlformats.org/officeDocument/2006/customXml" ds:itemID="{B9043294-8302-4947-B882-02D6486F929C}">
+  <ds:schemaRefs>
+    <ds:schemaRef ds:uri="http://schemas.microsoft.com/sharepoint/events"/>
+  </ds:schemaRefs>
+</ds:datastoreItem>
+</file>
+
 <file path=customXml/itemProps3.xml><?xml version="1.0" encoding="utf-8"?>
+<ds:datastoreItem xmlns:ds="http://schemas.openxmlformats.org/officeDocument/2006/customXml" ds:itemID="{2DA015F3-603C-4688-A5F3-81D587DAB8C9}">
+  <ds:schemaRefs>
+    <ds:schemaRef ds:uri="http://schemas.microsoft.com/sharepoint/v3/contenttype/forms"/>
+  </ds:schemaRefs>
+</ds:datastoreItem>
+</file>
+
+<file path=customXml/itemProps4.xml><?xml version="1.0" encoding="utf-8"?>
 <ds:datastoreItem xmlns:ds="http://schemas.openxmlformats.org/officeDocument/2006/customXml" ds:itemID="{F47B9207-CE5C-49AD-B414-15CBFA246D65}">
   <ds:schemaRefs>
     <ds:schemaRef ds:uri="http://schemas.microsoft.com/office/2006/metadata/properties"/>
@@ -12708,12 +12702,4 @@
     <ds:schemaRef ds:uri="http://purl.org/dc/dcmitype/"/>
   </ds:schemaRefs>
 </ds:datastoreItem>
-</file>
-
-<file path=customXml/itemProps4.xml><?xml version="1.0" encoding="utf-8"?>
-<ds:datastoreItem xmlns:ds="http://schemas.openxmlformats.org/officeDocument/2006/customXml" ds:itemID="{2DA015F3-603C-4688-A5F3-81D587DAB8C9}">
-  <ds:schemaRefs>
-    <ds:schemaRef ds:uri="http://schemas.microsoft.com/sharepoint/v3/contenttype/forms"/>
-  </ds:schemaRefs>
-</ds:datastoreItem>
 </file>